--- a/Inventory_project.pptx
+++ b/Inventory_project.pptx
@@ -7,23 +7,24 @@
   <p:sldIdLst>
     <p:sldId id="256" r:id="rId2"/>
     <p:sldId id="274" r:id="rId3"/>
-    <p:sldId id="257" r:id="rId4"/>
-    <p:sldId id="258" r:id="rId5"/>
-    <p:sldId id="259" r:id="rId6"/>
-    <p:sldId id="260" r:id="rId7"/>
-    <p:sldId id="261" r:id="rId8"/>
-    <p:sldId id="272" r:id="rId9"/>
-    <p:sldId id="262" r:id="rId10"/>
-    <p:sldId id="263" r:id="rId11"/>
-    <p:sldId id="264" r:id="rId12"/>
-    <p:sldId id="265" r:id="rId13"/>
-    <p:sldId id="266" r:id="rId14"/>
-    <p:sldId id="267" r:id="rId15"/>
-    <p:sldId id="268" r:id="rId16"/>
-    <p:sldId id="269" r:id="rId17"/>
-    <p:sldId id="270" r:id="rId18"/>
-    <p:sldId id="271" r:id="rId19"/>
-    <p:sldId id="273" r:id="rId20"/>
+    <p:sldId id="275" r:id="rId4"/>
+    <p:sldId id="257" r:id="rId5"/>
+    <p:sldId id="258" r:id="rId6"/>
+    <p:sldId id="259" r:id="rId7"/>
+    <p:sldId id="260" r:id="rId8"/>
+    <p:sldId id="261" r:id="rId9"/>
+    <p:sldId id="272" r:id="rId10"/>
+    <p:sldId id="262" r:id="rId11"/>
+    <p:sldId id="263" r:id="rId12"/>
+    <p:sldId id="264" r:id="rId13"/>
+    <p:sldId id="265" r:id="rId14"/>
+    <p:sldId id="266" r:id="rId15"/>
+    <p:sldId id="267" r:id="rId16"/>
+    <p:sldId id="268" r:id="rId17"/>
+    <p:sldId id="269" r:id="rId18"/>
+    <p:sldId id="270" r:id="rId19"/>
+    <p:sldId id="271" r:id="rId20"/>
+    <p:sldId id="273" r:id="rId21"/>
   </p:sldIdLst>
   <p:sldSz cx="9144000" cy="6858000" type="screen4x3"/>
   <p:notesSz cx="6858000" cy="9144000"/>
@@ -3209,7 +3210,7 @@
                 <a:latin typeface="Arial" pitchFamily="34" charset="0"/>
                 <a:cs typeface="Arial" pitchFamily="34" charset="0"/>
               </a:rPr>
-              <a:t>Identify Slow-Moving Products</a:t>
+              <a:t> Identify Fast-Moving Products</a:t>
             </a:r>
             <a:r>
               <a:rPr lang="en-US" dirty="0" smtClean="0">
@@ -3230,7 +3231,7 @@
       </p:sp>
       <p:pic>
         <p:nvPicPr>
-          <p:cNvPr id="5" name="Picture 4" descr="6q.PNG"/>
+          <p:cNvPr id="5" name="Picture 4" descr="5q.PNG"/>
           <p:cNvPicPr>
             <a:picLocks noChangeAspect="1"/>
           </p:cNvPicPr>
@@ -3244,8 +3245,8 @@
         </p:blipFill>
         <p:spPr>
           <a:xfrm>
-            <a:off x="533400" y="914400"/>
-            <a:ext cx="2591025" cy="1463167"/>
+            <a:off x="762000" y="838200"/>
+            <a:ext cx="2674852" cy="1546994"/>
           </a:xfrm>
           <a:prstGeom prst="rect">
             <a:avLst/>
@@ -3254,7 +3255,7 @@
       </p:pic>
       <p:pic>
         <p:nvPicPr>
-          <p:cNvPr id="6" name="Picture 5" descr="6r.PNG"/>
+          <p:cNvPr id="6" name="Picture 5" descr="5r.PNG"/>
           <p:cNvPicPr>
             <a:picLocks noChangeAspect="1"/>
           </p:cNvPicPr>
@@ -3268,8 +3269,8 @@
         </p:blipFill>
         <p:spPr>
           <a:xfrm>
-            <a:off x="533400" y="2667000"/>
-            <a:ext cx="2278578" cy="1905165"/>
+            <a:off x="685800" y="2667000"/>
+            <a:ext cx="2270957" cy="1920407"/>
           </a:xfrm>
           <a:prstGeom prst="rect">
             <a:avLst/>
@@ -3284,8 +3285,8 @@
         </p:nvSpPr>
         <p:spPr>
           <a:xfrm>
-            <a:off x="457200" y="5029200"/>
-            <a:ext cx="8153400" cy="1077218"/>
+            <a:off x="381001" y="4953000"/>
+            <a:ext cx="8077200" cy="1077218"/>
           </a:xfrm>
           <a:prstGeom prst="rect">
             <a:avLst/>
@@ -3300,15 +3301,23 @@
           <a:p>
             <a:r>
               <a:rPr lang="en-US" sz="1600" dirty="0" smtClean="0"/>
-              <a:t>The slow-moving products are primarily from </a:t>
+              <a:t>The fast-moving products are primarily from categories like </a:t>
             </a:r>
             <a:r>
               <a:rPr lang="en-US" sz="1600" b="1" dirty="0" smtClean="0"/>
-              <a:t>Electronics</a:t>
-            </a:r>
-            <a:r>
-              <a:rPr lang="en-US" sz="1600" dirty="0" smtClean="0"/>
-              <a:t> and </a:t>
+              <a:t>Toys</a:t>
+            </a:r>
+            <a:r>
+              <a:rPr lang="en-US" sz="1600" dirty="0" smtClean="0"/>
+              <a:t>, </a:t>
+            </a:r>
+            <a:r>
+              <a:rPr lang="en-US" sz="1600" b="1" dirty="0" smtClean="0"/>
+              <a:t>Groceries</a:t>
+            </a:r>
+            <a:r>
+              <a:rPr lang="en-US" sz="1600" dirty="0" smtClean="0"/>
+              <a:t>, and </a:t>
             </a:r>
             <a:r>
               <a:rPr lang="en-US" sz="1600" b="1" dirty="0" smtClean="0"/>
@@ -3316,23 +3325,23 @@
             </a:r>
             <a:r>
               <a:rPr lang="en-US" sz="1600" dirty="0" smtClean="0"/>
-              <a:t>, with the lowest sales observed for </a:t>
+              <a:t>, with the highest sales observed for </a:t>
             </a:r>
             <a:r>
               <a:rPr lang="en-US" sz="1600" b="1" dirty="0" smtClean="0"/>
-              <a:t>Toys (P0018)</a:t>
-            </a:r>
-            <a:r>
-              <a:rPr lang="en-US" sz="1600" dirty="0" smtClean="0"/>
-              <a:t> at 87,252 units. The repeated appearance of </a:t>
+              <a:t>Furniture (P0015)</a:t>
+            </a:r>
+            <a:r>
+              <a:rPr lang="en-US" sz="1600" dirty="0" smtClean="0"/>
+              <a:t> at 112,139 units. The consistent presence of multiple </a:t>
             </a:r>
             <a:r>
               <a:rPr lang="en-US" sz="1600" b="1" dirty="0" smtClean="0"/>
-              <a:t>Electronics</a:t>
-            </a:r>
-            <a:r>
-              <a:rPr lang="en-US" sz="1600" dirty="0" smtClean="0"/>
-              <a:t> products suggests potential overstock or low demand in this category. Consider evaluating pricing strategies or running targeted promotions to boost sales for these slow-moving items.</a:t>
+              <a:t>Groceries</a:t>
+            </a:r>
+            <a:r>
+              <a:rPr lang="en-US" sz="1600" dirty="0" smtClean="0"/>
+              <a:t> products indicates strong demand in this category. Prioritize restocking and promotional strategies for these top-performing products to sustain sales momentum.</a:t>
             </a:r>
             <a:endParaRPr lang="en-US" sz="1600" dirty="0"/>
           </a:p>
@@ -3383,7 +3392,7 @@
         <p:spPr>
           <a:xfrm>
             <a:off x="457200" y="274638"/>
-            <a:ext cx="8229600" cy="639762"/>
+            <a:ext cx="8229600" cy="715962"/>
           </a:xfrm>
         </p:spPr>
         <p:txBody>
@@ -3397,33 +3406,32 @@
               <a:buChar char="Ø"/>
             </a:pPr>
             <a:r>
-              <a:rPr lang="en-US" sz="2000" dirty="0" smtClean="0"/>
-              <a:t> </a:t>
-            </a:r>
-            <a:r>
-              <a:rPr lang="en-US" sz="2000" dirty="0" smtClean="0">
-                <a:latin typeface="Arial" pitchFamily="34" charset="0"/>
-                <a:cs typeface="Arial" pitchFamily="34" charset="0"/>
-              </a:rPr>
-              <a:t>Overstock Analysis</a:t>
+              <a:rPr lang="en-US" sz="2200" dirty="0" smtClean="0">
+                <a:latin typeface="Arial" pitchFamily="34" charset="0"/>
+                <a:cs typeface="Arial" pitchFamily="34" charset="0"/>
+              </a:rPr>
+              <a:t>Identify Slow-Moving Products</a:t>
+            </a:r>
+            <a:r>
+              <a:rPr lang="en-US" dirty="0" smtClean="0">
+                <a:latin typeface="Arial" pitchFamily="34" charset="0"/>
+                <a:cs typeface="Arial" pitchFamily="34" charset="0"/>
+              </a:rPr>
+              <a:t/>
             </a:r>
             <a:br>
-              <a:rPr lang="en-US" sz="2000" dirty="0" smtClean="0">
+              <a:rPr lang="en-US" dirty="0" smtClean="0">
                 <a:latin typeface="Arial" pitchFamily="34" charset="0"/>
                 <a:cs typeface="Arial" pitchFamily="34" charset="0"/>
               </a:rPr>
             </a:br>
-            <a:r>
-              <a:rPr lang="en-US" sz="2000" dirty="0" smtClean="0"/>
-              <a:t> </a:t>
-            </a:r>
-            <a:endParaRPr lang="en-US" sz="2000" dirty="0"/>
+            <a:endParaRPr lang="en-US" dirty="0"/>
           </a:p>
         </p:txBody>
       </p:sp>
       <p:pic>
         <p:nvPicPr>
-          <p:cNvPr id="5" name="Picture 4" descr="7q.PNG"/>
+          <p:cNvPr id="5" name="Picture 4" descr="6q.PNG"/>
           <p:cNvPicPr>
             <a:picLocks noChangeAspect="1"/>
           </p:cNvPicPr>
@@ -3437,8 +3445,8 @@
         </p:blipFill>
         <p:spPr>
           <a:xfrm>
-            <a:off x="457200" y="990600"/>
-            <a:ext cx="4336156" cy="1455546"/>
+            <a:off x="533400" y="914400"/>
+            <a:ext cx="2591025" cy="1463167"/>
           </a:xfrm>
           <a:prstGeom prst="rect">
             <a:avLst/>
@@ -3447,7 +3455,7 @@
       </p:pic>
       <p:pic>
         <p:nvPicPr>
-          <p:cNvPr id="6" name="Picture 5" descr="7r.PNG"/>
+          <p:cNvPr id="6" name="Picture 5" descr="6r.PNG"/>
           <p:cNvPicPr>
             <a:picLocks noChangeAspect="1"/>
           </p:cNvPicPr>
@@ -3461,8 +3469,8 @@
         </p:blipFill>
         <p:spPr>
           <a:xfrm>
-            <a:off x="5029200" y="533400"/>
-            <a:ext cx="3848434" cy="4237087"/>
+            <a:off x="533400" y="2667000"/>
+            <a:ext cx="2278578" cy="1905165"/>
           </a:xfrm>
           <a:prstGeom prst="rect">
             <a:avLst/>
@@ -3477,8 +3485,8 @@
         </p:nvSpPr>
         <p:spPr>
           <a:xfrm>
-            <a:off x="533400" y="5105400"/>
-            <a:ext cx="7772400" cy="584775"/>
+            <a:off x="457200" y="5029200"/>
+            <a:ext cx="8153400" cy="1077218"/>
           </a:xfrm>
           <a:prstGeom prst="rect">
             <a:avLst/>
@@ -3493,7 +3501,39 @@
           <a:p>
             <a:r>
               <a:rPr lang="en-US" sz="1600" dirty="0" smtClean="0"/>
-              <a:t>Addressing these overstocked products can optimize storage and reduce costs. Prioritizing inventory adjustments for these items will improve overall efficiency.</a:t>
+              <a:t>The slow-moving products are primarily from </a:t>
+            </a:r>
+            <a:r>
+              <a:rPr lang="en-US" sz="1600" b="1" dirty="0" smtClean="0"/>
+              <a:t>Electronics</a:t>
+            </a:r>
+            <a:r>
+              <a:rPr lang="en-US" sz="1600" dirty="0" smtClean="0"/>
+              <a:t> and </a:t>
+            </a:r>
+            <a:r>
+              <a:rPr lang="en-US" sz="1600" b="1" dirty="0" smtClean="0"/>
+              <a:t>Clothing</a:t>
+            </a:r>
+            <a:r>
+              <a:rPr lang="en-US" sz="1600" dirty="0" smtClean="0"/>
+              <a:t>, with the lowest sales observed for </a:t>
+            </a:r>
+            <a:r>
+              <a:rPr lang="en-US" sz="1600" b="1" dirty="0" smtClean="0"/>
+              <a:t>Toys (P0018)</a:t>
+            </a:r>
+            <a:r>
+              <a:rPr lang="en-US" sz="1600" dirty="0" smtClean="0"/>
+              <a:t> at 87,252 units. The repeated appearance of </a:t>
+            </a:r>
+            <a:r>
+              <a:rPr lang="en-US" sz="1600" b="1" dirty="0" smtClean="0"/>
+              <a:t>Electronics</a:t>
+            </a:r>
+            <a:r>
+              <a:rPr lang="en-US" sz="1600" dirty="0" smtClean="0"/>
+              <a:t> products suggests potential overstock or low demand in this category. Consider evaluating pricing strategies or running targeted promotions to boost sales for these slow-moving items.</a:t>
             </a:r>
             <a:endParaRPr lang="en-US" sz="1600" dirty="0"/>
           </a:p>
@@ -3558,11 +3598,15 @@
               <a:buChar char="Ø"/>
             </a:pPr>
             <a:r>
+              <a:rPr lang="en-US" sz="2000" dirty="0" smtClean="0"/>
+              <a:t> </a:t>
+            </a:r>
+            <a:r>
               <a:rPr lang="en-US" sz="2000" dirty="0" smtClean="0">
                 <a:latin typeface="Arial" pitchFamily="34" charset="0"/>
                 <a:cs typeface="Arial" pitchFamily="34" charset="0"/>
               </a:rPr>
-              <a:t> Stock out Risk Analysis</a:t>
+              <a:t>Overstock Analysis</a:t>
             </a:r>
             <a:br>
               <a:rPr lang="en-US" sz="2000" dirty="0" smtClean="0">
@@ -3570,16 +3614,17 @@
                 <a:cs typeface="Arial" pitchFamily="34" charset="0"/>
               </a:rPr>
             </a:br>
-            <a:endParaRPr lang="en-US" sz="2000" dirty="0">
-              <a:latin typeface="Arial" pitchFamily="34" charset="0"/>
-              <a:cs typeface="Arial" pitchFamily="34" charset="0"/>
-            </a:endParaRPr>
+            <a:r>
+              <a:rPr lang="en-US" sz="2000" dirty="0" smtClean="0"/>
+              <a:t> </a:t>
+            </a:r>
+            <a:endParaRPr lang="en-US" sz="2000" dirty="0"/>
           </a:p>
         </p:txBody>
       </p:sp>
       <p:pic>
         <p:nvPicPr>
-          <p:cNvPr id="3" name="Picture 2" descr="8q.PNG"/>
+          <p:cNvPr id="5" name="Picture 4" descr="7q.PNG"/>
           <p:cNvPicPr>
             <a:picLocks noChangeAspect="1"/>
           </p:cNvPicPr>
@@ -3593,8 +3638,8 @@
         </p:blipFill>
         <p:spPr>
           <a:xfrm>
-            <a:off x="381000" y="914400"/>
-            <a:ext cx="3985606" cy="1691787"/>
+            <a:off x="457200" y="990600"/>
+            <a:ext cx="4336156" cy="1455546"/>
           </a:xfrm>
           <a:prstGeom prst="rect">
             <a:avLst/>
@@ -3603,7 +3648,7 @@
       </p:pic>
       <p:pic>
         <p:nvPicPr>
-          <p:cNvPr id="4" name="Picture 3" descr="8r.PNG"/>
+          <p:cNvPr id="6" name="Picture 5" descr="7r.PNG"/>
           <p:cNvPicPr>
             <a:picLocks noChangeAspect="1"/>
           </p:cNvPicPr>
@@ -3617,8 +3662,8 @@
         </p:blipFill>
         <p:spPr>
           <a:xfrm>
-            <a:off x="4419600" y="762000"/>
-            <a:ext cx="4511444" cy="4275191"/>
+            <a:off x="5029200" y="533400"/>
+            <a:ext cx="3848434" cy="4237087"/>
           </a:xfrm>
           <a:prstGeom prst="rect">
             <a:avLst/>
@@ -3627,14 +3672,14 @@
       </p:pic>
       <p:sp>
         <p:nvSpPr>
-          <p:cNvPr id="5" name="TextBox 4"/>
+          <p:cNvPr id="7" name="TextBox 6"/>
           <p:cNvSpPr txBox="1"/>
           <p:nvPr/>
         </p:nvSpPr>
         <p:spPr>
           <a:xfrm>
-            <a:off x="381000" y="5486400"/>
-            <a:ext cx="7696200" cy="584775"/>
+            <a:off x="533400" y="5105400"/>
+            <a:ext cx="7772400" cy="584775"/>
           </a:xfrm>
           <a:prstGeom prst="rect">
             <a:avLst/>
@@ -3649,7 +3694,7 @@
           <a:p>
             <a:r>
               <a:rPr lang="en-US" sz="1600" dirty="0" smtClean="0"/>
-              <a:t>Addressing stock-out risks can prevent missed sales opportunities, while prioritizing restocking ensures customer satisfaction and maintains revenue flow.</a:t>
+              <a:t>Addressing these overstocked products can optimize storage and reduce costs. Prioritizing inventory adjustments for these items will improve overall efficiency.</a:t>
             </a:r>
             <a:endParaRPr lang="en-US" sz="1600" dirty="0"/>
           </a:p>
@@ -3697,14 +3742,19 @@
             <p:ph type="title"/>
           </p:nvPr>
         </p:nvSpPr>
-        <p:spPr/>
+        <p:spPr>
+          <a:xfrm>
+            <a:off x="457200" y="274638"/>
+            <a:ext cx="8229600" cy="639762"/>
+          </a:xfrm>
+        </p:spPr>
         <p:txBody>
           <a:bodyPr>
-            <a:normAutofit/>
+            <a:normAutofit fontScale="90000"/>
           </a:bodyPr>
           <a:lstStyle/>
           <a:p>
-            <a:pPr marL="457200" indent="-457200" algn="l">
+            <a:pPr algn="l">
               <a:buFont typeface="Wingdings" pitchFamily="2" charset="2"/>
               <a:buChar char="Ø"/>
             </a:pPr>
@@ -3713,7 +3763,7 @@
                 <a:latin typeface="Arial" pitchFamily="34" charset="0"/>
                 <a:cs typeface="Arial" pitchFamily="34" charset="0"/>
               </a:rPr>
-              <a:t>Seasonal Trends</a:t>
+              <a:t> Stock out Risk Analysis</a:t>
             </a:r>
             <a:br>
               <a:rPr lang="en-US" sz="2000" dirty="0" smtClean="0">
@@ -3730,7 +3780,7 @@
       </p:sp>
       <p:pic>
         <p:nvPicPr>
-          <p:cNvPr id="3" name="Picture 2" descr="9q.PNG"/>
+          <p:cNvPr id="3" name="Picture 2" descr="8q.PNG"/>
           <p:cNvPicPr>
             <a:picLocks noChangeAspect="1"/>
           </p:cNvPicPr>
@@ -3744,8 +3794,8 @@
         </p:blipFill>
         <p:spPr>
           <a:xfrm>
-            <a:off x="2057400" y="1143000"/>
-            <a:ext cx="4038600" cy="1608497"/>
+            <a:off x="381000" y="914400"/>
+            <a:ext cx="3985606" cy="1691787"/>
           </a:xfrm>
           <a:prstGeom prst="rect">
             <a:avLst/>
@@ -3754,7 +3804,7 @@
       </p:pic>
       <p:pic>
         <p:nvPicPr>
-          <p:cNvPr id="4" name="Picture 3" descr="9r.PNG"/>
+          <p:cNvPr id="4" name="Picture 3" descr="8r.PNG"/>
           <p:cNvPicPr>
             <a:picLocks noChangeAspect="1"/>
           </p:cNvPicPr>
@@ -3768,8 +3818,8 @@
         </p:blipFill>
         <p:spPr>
           <a:xfrm>
-            <a:off x="1981200" y="3048000"/>
-            <a:ext cx="3505200" cy="1845659"/>
+            <a:off x="4419600" y="762000"/>
+            <a:ext cx="4511444" cy="4275191"/>
           </a:xfrm>
           <a:prstGeom prst="rect">
             <a:avLst/>
@@ -3784,8 +3834,8 @@
         </p:nvSpPr>
         <p:spPr>
           <a:xfrm>
-            <a:off x="533400" y="5334000"/>
-            <a:ext cx="7620000" cy="1077218"/>
+            <a:off x="381000" y="5486400"/>
+            <a:ext cx="7696200" cy="584775"/>
           </a:xfrm>
           <a:prstGeom prst="rect">
             <a:avLst/>
@@ -3800,39 +3850,7 @@
           <a:p>
             <a:r>
               <a:rPr lang="en-US" sz="1600" dirty="0" smtClean="0"/>
-              <a:t>The seasonal sales data reveals that </a:t>
-            </a:r>
-            <a:r>
-              <a:rPr lang="en-US" sz="1600" b="1" dirty="0" smtClean="0"/>
-              <a:t>Autumn</a:t>
-            </a:r>
-            <a:r>
-              <a:rPr lang="en-US" sz="1600" dirty="0" smtClean="0"/>
-              <a:t> recorded the highest sales with 2,506,676 units, followed closely by </a:t>
-            </a:r>
-            <a:r>
-              <a:rPr lang="en-US" sz="1600" b="1" dirty="0" smtClean="0"/>
-              <a:t>Winter</a:t>
-            </a:r>
-            <a:r>
-              <a:rPr lang="en-US" sz="1600" dirty="0" smtClean="0"/>
-              <a:t> at 2,501,951 units. </a:t>
-            </a:r>
-            <a:r>
-              <a:rPr lang="en-US" sz="1600" b="1" dirty="0" smtClean="0"/>
-              <a:t>Spring</a:t>
-            </a:r>
-            <a:r>
-              <a:rPr lang="en-US" sz="1600" dirty="0" smtClean="0"/>
-              <a:t> and </a:t>
-            </a:r>
-            <a:r>
-              <a:rPr lang="en-US" sz="1600" b="1" dirty="0" smtClean="0"/>
-              <a:t>Summer</a:t>
-            </a:r>
-            <a:r>
-              <a:rPr lang="en-US" sz="1600" dirty="0" smtClean="0"/>
-              <a:t> had comparatively lower sales, indicating a potential opportunity to enhance sales strategies during these seasons.</a:t>
+              <a:t>Addressing stock-out risks can prevent missed sales opportunities, while prioritizing restocking ensures customer satisfaction and maintains revenue flow.</a:t>
             </a:r>
             <a:endParaRPr lang="en-US" sz="1600" dirty="0"/>
           </a:p>
@@ -3887,13 +3905,16 @@
           </a:bodyPr>
           <a:lstStyle/>
           <a:p>
-            <a:pPr algn="l"/>
+            <a:pPr marL="457200" indent="-457200" algn="l">
+              <a:buFont typeface="Wingdings" pitchFamily="2" charset="2"/>
+              <a:buChar char="Ø"/>
+            </a:pPr>
             <a:r>
               <a:rPr lang="en-US" sz="2000" dirty="0" smtClean="0">
                 <a:latin typeface="Arial" pitchFamily="34" charset="0"/>
                 <a:cs typeface="Arial" pitchFamily="34" charset="0"/>
               </a:rPr>
-              <a:t>Holiday/Promotion Impact</a:t>
+              <a:t>Seasonal Trends</a:t>
             </a:r>
             <a:br>
               <a:rPr lang="en-US" sz="2000" dirty="0" smtClean="0">
@@ -3910,7 +3931,7 @@
       </p:sp>
       <p:pic>
         <p:nvPicPr>
-          <p:cNvPr id="3" name="Picture 2" descr="10q.PNG"/>
+          <p:cNvPr id="3" name="Picture 2" descr="9q.PNG"/>
           <p:cNvPicPr>
             <a:picLocks noChangeAspect="1"/>
           </p:cNvPicPr>
@@ -3924,8 +3945,8 @@
         </p:blipFill>
         <p:spPr>
           <a:xfrm>
-            <a:off x="2362200" y="1447800"/>
-            <a:ext cx="3303431" cy="1371600"/>
+            <a:off x="2057400" y="1143000"/>
+            <a:ext cx="4038600" cy="1608497"/>
           </a:xfrm>
           <a:prstGeom prst="rect">
             <a:avLst/>
@@ -3934,7 +3955,7 @@
       </p:pic>
       <p:pic>
         <p:nvPicPr>
-          <p:cNvPr id="4" name="Picture 3" descr="10r.PNG"/>
+          <p:cNvPr id="4" name="Picture 3" descr="9r.PNG"/>
           <p:cNvPicPr>
             <a:picLocks noChangeAspect="1"/>
           </p:cNvPicPr>
@@ -3948,8 +3969,8 @@
         </p:blipFill>
         <p:spPr>
           <a:xfrm>
-            <a:off x="2154819" y="3127984"/>
-            <a:ext cx="3781279" cy="834416"/>
+            <a:off x="1981200" y="3048000"/>
+            <a:ext cx="3505200" cy="1845659"/>
           </a:xfrm>
           <a:prstGeom prst="rect">
             <a:avLst/>
@@ -3964,8 +3985,8 @@
         </p:nvSpPr>
         <p:spPr>
           <a:xfrm>
-            <a:off x="685800" y="4419600"/>
-            <a:ext cx="8001000" cy="584775"/>
+            <a:off x="533400" y="5334000"/>
+            <a:ext cx="7620000" cy="1077218"/>
           </a:xfrm>
           <a:prstGeom prst="rect">
             <a:avLst/>
@@ -3980,7 +4001,39 @@
           <a:p>
             <a:r>
               <a:rPr lang="en-US" sz="1600" dirty="0" smtClean="0"/>
-              <a:t>However, the impact on demand variability (10.0155 vs. 10.0034) is negligible, suggesting that promotions have a limited effect on overall demand dynamics.</a:t>
+              <a:t>The seasonal sales data reveals that </a:t>
+            </a:r>
+            <a:r>
+              <a:rPr lang="en-US" sz="1600" b="1" dirty="0" smtClean="0"/>
+              <a:t>Autumn</a:t>
+            </a:r>
+            <a:r>
+              <a:rPr lang="en-US" sz="1600" dirty="0" smtClean="0"/>
+              <a:t> recorded the highest sales with 2,506,676 units, followed closely by </a:t>
+            </a:r>
+            <a:r>
+              <a:rPr lang="en-US" sz="1600" b="1" dirty="0" smtClean="0"/>
+              <a:t>Winter</a:t>
+            </a:r>
+            <a:r>
+              <a:rPr lang="en-US" sz="1600" dirty="0" smtClean="0"/>
+              <a:t> at 2,501,951 units. </a:t>
+            </a:r>
+            <a:r>
+              <a:rPr lang="en-US" sz="1600" b="1" dirty="0" smtClean="0"/>
+              <a:t>Spring</a:t>
+            </a:r>
+            <a:r>
+              <a:rPr lang="en-US" sz="1600" dirty="0" smtClean="0"/>
+              <a:t> and </a:t>
+            </a:r>
+            <a:r>
+              <a:rPr lang="en-US" sz="1600" b="1" dirty="0" smtClean="0"/>
+              <a:t>Summer</a:t>
+            </a:r>
+            <a:r>
+              <a:rPr lang="en-US" sz="1600" dirty="0" smtClean="0"/>
+              <a:t> had comparatively lower sales, indicating a potential opportunity to enhance sales strategies during these seasons.</a:t>
             </a:r>
             <a:endParaRPr lang="en-US" sz="1600" dirty="0"/>
           </a:p>
@@ -4035,23 +4088,30 @@
           </a:bodyPr>
           <a:lstStyle/>
           <a:p>
-            <a:pPr algn="l">
-              <a:buFont typeface="Wingdings" pitchFamily="2" charset="2"/>
-              <a:buChar char="Ø"/>
-            </a:pPr>
+            <a:pPr algn="l"/>
             <a:r>
               <a:rPr lang="en-US" sz="2000" dirty="0" smtClean="0">
                 <a:latin typeface="Arial" pitchFamily="34" charset="0"/>
                 <a:cs typeface="Arial" pitchFamily="34" charset="0"/>
               </a:rPr>
-              <a:t> Weather Condition Analysis</a:t>
-            </a:r>
+              <a:t>Holiday/Promotion Impact</a:t>
+            </a:r>
+            <a:br>
+              <a:rPr lang="en-US" sz="2000" dirty="0" smtClean="0">
+                <a:latin typeface="Arial" pitchFamily="34" charset="0"/>
+                <a:cs typeface="Arial" pitchFamily="34" charset="0"/>
+              </a:rPr>
+            </a:br>
+            <a:endParaRPr lang="en-US" sz="2000" dirty="0">
+              <a:latin typeface="Arial" pitchFamily="34" charset="0"/>
+              <a:cs typeface="Arial" pitchFamily="34" charset="0"/>
+            </a:endParaRPr>
           </a:p>
         </p:txBody>
       </p:sp>
       <p:pic>
         <p:nvPicPr>
-          <p:cNvPr id="3" name="Picture 2" descr="11r.PNG"/>
+          <p:cNvPr id="3" name="Picture 2" descr="10q.PNG"/>
           <p:cNvPicPr>
             <a:picLocks noChangeAspect="1"/>
           </p:cNvPicPr>
@@ -4065,8 +4125,8 @@
         </p:blipFill>
         <p:spPr>
           <a:xfrm>
-            <a:off x="1676400" y="1371600"/>
-            <a:ext cx="4775898" cy="1764070"/>
+            <a:off x="2362200" y="1447800"/>
+            <a:ext cx="3303431" cy="1371600"/>
           </a:xfrm>
           <a:prstGeom prst="rect">
             <a:avLst/>
@@ -4075,7 +4135,7 @@
       </p:pic>
       <p:pic>
         <p:nvPicPr>
-          <p:cNvPr id="4" name="Picture 3" descr="11rr.PNG"/>
+          <p:cNvPr id="4" name="Picture 3" descr="10r.PNG"/>
           <p:cNvPicPr>
             <a:picLocks noChangeAspect="1"/>
           </p:cNvPicPr>
@@ -4089,8 +4149,8 @@
         </p:blipFill>
         <p:spPr>
           <a:xfrm>
-            <a:off x="2286000" y="3352800"/>
-            <a:ext cx="3162452" cy="1424978"/>
+            <a:off x="2154819" y="3127984"/>
+            <a:ext cx="3781279" cy="834416"/>
           </a:xfrm>
           <a:prstGeom prst="rect">
             <a:avLst/>
@@ -4099,14 +4159,14 @@
       </p:pic>
       <p:sp>
         <p:nvSpPr>
-          <p:cNvPr id="6" name="TextBox 5"/>
+          <p:cNvPr id="5" name="TextBox 4"/>
           <p:cNvSpPr txBox="1"/>
           <p:nvPr/>
         </p:nvSpPr>
         <p:spPr>
           <a:xfrm>
-            <a:off x="533400" y="5181600"/>
-            <a:ext cx="7848600" cy="584775"/>
+            <a:off x="685800" y="4419600"/>
+            <a:ext cx="8001000" cy="584775"/>
           </a:xfrm>
           <a:prstGeom prst="rect">
             <a:avLst/>
@@ -4121,7 +4181,7 @@
           <a:p>
             <a:r>
               <a:rPr lang="en-US" sz="1600" dirty="0" smtClean="0"/>
-              <a:t>The analysis shows that there is minimal impact of weather conditions on sales, as the sales figures for rainy, sunny, cloudy, and snowy days are relatively close.</a:t>
+              <a:t>However, the impact on demand variability (10.0155 vs. 10.0034) is negligible, suggesting that promotions have a limited effect on overall demand dynamics.</a:t>
             </a:r>
             <a:endParaRPr lang="en-US" sz="1600" dirty="0"/>
           </a:p>
@@ -4185,18 +4245,14 @@
                 <a:latin typeface="Arial" pitchFamily="34" charset="0"/>
                 <a:cs typeface="Arial" pitchFamily="34" charset="0"/>
               </a:rPr>
-              <a:t> Competitor Price Analysis</a:t>
-            </a:r>
-            <a:endParaRPr lang="en-US" sz="2000" dirty="0">
-              <a:latin typeface="Arial" pitchFamily="34" charset="0"/>
-              <a:cs typeface="Arial" pitchFamily="34" charset="0"/>
-            </a:endParaRPr>
+              <a:t> Weather Condition Analysis</a:t>
+            </a:r>
           </a:p>
         </p:txBody>
       </p:sp>
       <p:pic>
         <p:nvPicPr>
-          <p:cNvPr id="3" name="Picture 2" descr="12q.PNG"/>
+          <p:cNvPr id="3" name="Picture 2" descr="11r.PNG"/>
           <p:cNvPicPr>
             <a:picLocks noChangeAspect="1"/>
           </p:cNvPicPr>
@@ -4210,8 +4266,8 @@
         </p:blipFill>
         <p:spPr>
           <a:xfrm>
-            <a:off x="533399" y="1295400"/>
-            <a:ext cx="4058323" cy="1371600"/>
+            <a:off x="1676400" y="1371600"/>
+            <a:ext cx="4775898" cy="1764070"/>
           </a:xfrm>
           <a:prstGeom prst="rect">
             <a:avLst/>
@@ -4220,7 +4276,7 @@
       </p:pic>
       <p:pic>
         <p:nvPicPr>
-          <p:cNvPr id="4" name="Picture 3" descr="12r.PNG"/>
+          <p:cNvPr id="4" name="Picture 3" descr="11rr.PNG"/>
           <p:cNvPicPr>
             <a:picLocks noChangeAspect="1"/>
           </p:cNvPicPr>
@@ -4234,8 +4290,8 @@
         </p:blipFill>
         <p:spPr>
           <a:xfrm>
-            <a:off x="4953000" y="1371599"/>
-            <a:ext cx="3276600" cy="3217179"/>
+            <a:off x="2286000" y="3352800"/>
+            <a:ext cx="3162452" cy="1424978"/>
           </a:xfrm>
           <a:prstGeom prst="rect">
             <a:avLst/>
@@ -4244,14 +4300,14 @@
       </p:pic>
       <p:sp>
         <p:nvSpPr>
-          <p:cNvPr id="5" name="TextBox 4"/>
+          <p:cNvPr id="6" name="TextBox 5"/>
           <p:cNvSpPr txBox="1"/>
           <p:nvPr/>
         </p:nvSpPr>
         <p:spPr>
           <a:xfrm>
-            <a:off x="457200" y="5486400"/>
-            <a:ext cx="7772400" cy="584775"/>
+            <a:off x="533400" y="5181600"/>
+            <a:ext cx="7848600" cy="584775"/>
           </a:xfrm>
           <a:prstGeom prst="rect">
             <a:avLst/>
@@ -4266,7 +4322,7 @@
           <a:p>
             <a:r>
               <a:rPr lang="en-US" sz="1600" dirty="0" smtClean="0"/>
-              <a:t>Compared to competitor prices, the difference is negligible, so offering discounts and promotions on slow-moving products could help boost sales.</a:t>
+              <a:t>The analysis shows that there is minimal impact of weather conditions on sales, as the sales figures for rainy, sunny, cloudy, and snowy days are relatively close.</a:t>
             </a:r>
             <a:endParaRPr lang="en-US" sz="1600" dirty="0"/>
           </a:p>
@@ -4330,14 +4386,8 @@
                 <a:latin typeface="Arial" pitchFamily="34" charset="0"/>
                 <a:cs typeface="Arial" pitchFamily="34" charset="0"/>
               </a:rPr>
-              <a:t> Discount Effectiveness</a:t>
-            </a:r>
-            <a:br>
-              <a:rPr lang="en-US" sz="2000" dirty="0" smtClean="0">
-                <a:latin typeface="Arial" pitchFamily="34" charset="0"/>
-                <a:cs typeface="Arial" pitchFamily="34" charset="0"/>
-              </a:rPr>
-            </a:br>
+              <a:t> Competitor Price Analysis</a:t>
+            </a:r>
             <a:endParaRPr lang="en-US" sz="2000" dirty="0">
               <a:latin typeface="Arial" pitchFamily="34" charset="0"/>
               <a:cs typeface="Arial" pitchFamily="34" charset="0"/>
@@ -4347,7 +4397,7 @@
       </p:sp>
       <p:pic>
         <p:nvPicPr>
-          <p:cNvPr id="3" name="Picture 2" descr="13q.PNG"/>
+          <p:cNvPr id="3" name="Picture 2" descr="12q.PNG"/>
           <p:cNvPicPr>
             <a:picLocks noChangeAspect="1"/>
           </p:cNvPicPr>
@@ -4361,8 +4411,8 @@
         </p:blipFill>
         <p:spPr>
           <a:xfrm>
-            <a:off x="2590800" y="1143000"/>
-            <a:ext cx="3663333" cy="1394501"/>
+            <a:off x="533399" y="1295400"/>
+            <a:ext cx="4058323" cy="1371600"/>
           </a:xfrm>
           <a:prstGeom prst="rect">
             <a:avLst/>
@@ -4371,7 +4421,7 @@
       </p:pic>
       <p:pic>
         <p:nvPicPr>
-          <p:cNvPr id="4" name="Picture 3" descr="13r.PNG"/>
+          <p:cNvPr id="4" name="Picture 3" descr="12r.PNG"/>
           <p:cNvPicPr>
             <a:picLocks noChangeAspect="1"/>
           </p:cNvPicPr>
@@ -4385,8 +4435,8 @@
         </p:blipFill>
         <p:spPr>
           <a:xfrm>
-            <a:off x="3124200" y="2895600"/>
-            <a:ext cx="1905060" cy="1471130"/>
+            <a:off x="4953000" y="1371599"/>
+            <a:ext cx="3276600" cy="3217179"/>
           </a:xfrm>
           <a:prstGeom prst="rect">
             <a:avLst/>
@@ -4401,8 +4451,8 @@
         </p:nvSpPr>
         <p:spPr>
           <a:xfrm>
-            <a:off x="609600" y="4648200"/>
-            <a:ext cx="7772400" cy="830997"/>
+            <a:off x="457200" y="5486400"/>
+            <a:ext cx="7772400" cy="584775"/>
           </a:xfrm>
           <a:prstGeom prst="rect">
             <a:avLst/>
@@ -4417,11 +4467,7 @@
           <a:p>
             <a:r>
               <a:rPr lang="en-US" sz="1600" dirty="0" smtClean="0"/>
-              <a:t>The analysis shows that discounts have a minimal impact on sales, with the highest sales occurring at a 10% discount (136.77). As the discount decreases to 5% or increases to 20%, the sales figures remain relatively </a:t>
-            </a:r>
-            <a:r>
-              <a:rPr lang="en-US" sz="1600" dirty="0" smtClean="0"/>
-              <a:t>stable.</a:t>
+              <a:t>Compared to competitor prices, the difference is negligible, so offering discounts and promotions on slow-moving products could help boost sales.</a:t>
             </a:r>
             <a:endParaRPr lang="en-US" sz="1600" dirty="0"/>
           </a:p>
@@ -4485,7 +4531,7 @@
                 <a:latin typeface="Arial" pitchFamily="34" charset="0"/>
                 <a:cs typeface="Arial" pitchFamily="34" charset="0"/>
               </a:rPr>
-              <a:t> Total Revenue by Category</a:t>
+              <a:t> Discount Effectiveness</a:t>
             </a:r>
             <a:br>
               <a:rPr lang="en-US" sz="2000" dirty="0" smtClean="0">
@@ -4502,7 +4548,7 @@
       </p:sp>
       <p:pic>
         <p:nvPicPr>
-          <p:cNvPr id="3" name="Picture 2" descr="14q.PNG"/>
+          <p:cNvPr id="3" name="Picture 2" descr="13q.PNG"/>
           <p:cNvPicPr>
             <a:picLocks noChangeAspect="1"/>
           </p:cNvPicPr>
@@ -4516,8 +4562,8 @@
         </p:blipFill>
         <p:spPr>
           <a:xfrm>
-            <a:off x="838200" y="1676400"/>
-            <a:ext cx="3078747" cy="1882303"/>
+            <a:off x="2590800" y="1143000"/>
+            <a:ext cx="3663333" cy="1394501"/>
           </a:xfrm>
           <a:prstGeom prst="rect">
             <a:avLst/>
@@ -4526,7 +4572,7 @@
       </p:pic>
       <p:pic>
         <p:nvPicPr>
-          <p:cNvPr id="4" name="Picture 3" descr="14r.PNG"/>
+          <p:cNvPr id="4" name="Picture 3" descr="13r.PNG"/>
           <p:cNvPicPr>
             <a:picLocks noChangeAspect="1"/>
           </p:cNvPicPr>
@@ -4540,8 +4586,8 @@
         </p:blipFill>
         <p:spPr>
           <a:xfrm>
-            <a:off x="5105400" y="1828800"/>
-            <a:ext cx="2971800" cy="2065402"/>
+            <a:off x="3124200" y="2895600"/>
+            <a:ext cx="1905060" cy="1471130"/>
           </a:xfrm>
           <a:prstGeom prst="rect">
             <a:avLst/>
@@ -4556,8 +4602,8 @@
         </p:nvSpPr>
         <p:spPr>
           <a:xfrm>
-            <a:off x="228601" y="4572000"/>
-            <a:ext cx="8382000" cy="1077218"/>
+            <a:off x="609600" y="4648200"/>
+            <a:ext cx="7772400" cy="830997"/>
           </a:xfrm>
           <a:prstGeom prst="rect">
             <a:avLst/>
@@ -4572,63 +4618,11 @@
           <a:p>
             <a:r>
               <a:rPr lang="en-US" sz="1600" dirty="0" smtClean="0"/>
-              <a:t>The total revenue analysis shows that </a:t>
-            </a:r>
-            <a:r>
-              <a:rPr lang="en-US" sz="1600" b="1" dirty="0" smtClean="0"/>
-              <a:t>Furniture</a:t>
-            </a:r>
-            <a:r>
-              <a:rPr lang="en-US" sz="1600" dirty="0" smtClean="0"/>
-              <a:t> leads with the highest revenue at </a:t>
-            </a:r>
-            <a:r>
-              <a:rPr lang="en-US" sz="1600" b="1" dirty="0" smtClean="0"/>
-              <a:t>$111.5 million</a:t>
-            </a:r>
-            <a:r>
-              <a:rPr lang="en-US" sz="1600" dirty="0" smtClean="0"/>
-              <a:t>, followed closely by </a:t>
-            </a:r>
-            <a:r>
-              <a:rPr lang="en-US" sz="1600" b="1" dirty="0" smtClean="0"/>
-              <a:t>Groceries</a:t>
-            </a:r>
-            <a:r>
-              <a:rPr lang="en-US" sz="1600" dirty="0" smtClean="0"/>
-              <a:t> at </a:t>
-            </a:r>
-            <a:r>
-              <a:rPr lang="en-US" sz="1600" b="1" dirty="0" smtClean="0"/>
-              <a:t>$111 million</a:t>
-            </a:r>
-            <a:r>
-              <a:rPr lang="en-US" sz="1600" dirty="0" smtClean="0"/>
-              <a:t>. </a:t>
-            </a:r>
-            <a:r>
-              <a:rPr lang="en-US" sz="1600" b="1" dirty="0" smtClean="0"/>
-              <a:t>Clothing</a:t>
-            </a:r>
-            <a:r>
-              <a:rPr lang="en-US" sz="1600" dirty="0" smtClean="0"/>
-              <a:t>, </a:t>
-            </a:r>
-            <a:r>
-              <a:rPr lang="en-US" sz="1600" b="1" dirty="0" smtClean="0"/>
-              <a:t>Toys</a:t>
-            </a:r>
-            <a:r>
-              <a:rPr lang="en-US" sz="1600" dirty="0" smtClean="0"/>
-              <a:t>, and </a:t>
-            </a:r>
-            <a:r>
-              <a:rPr lang="en-US" sz="1600" b="1" dirty="0" smtClean="0"/>
-              <a:t>Electronics</a:t>
-            </a:r>
-            <a:r>
-              <a:rPr lang="en-US" sz="1600" dirty="0" smtClean="0"/>
-              <a:t> contribute similar revenue levels, indicating a strong performance across these categories. Focusing on these high-revenue categories could help sustain growth.</a:t>
+              <a:t>The analysis shows that discounts have a minimal impact on sales, with the highest sales occurring at a 10% discount (136.77). As the discount decreases to 5% or increases to 20%, the sales figures remain relatively </a:t>
+            </a:r>
+            <a:r>
+              <a:rPr lang="en-US" sz="1600" dirty="0" smtClean="0"/>
+              <a:t>stable.</a:t>
             </a:r>
             <a:endParaRPr lang="en-US" sz="1600" dirty="0"/>
           </a:p>
@@ -4676,179 +4670,167 @@
             <p:ph type="title"/>
           </p:nvPr>
         </p:nvSpPr>
-        <p:spPr>
-          <a:xfrm>
-            <a:off x="457200" y="274638"/>
-            <a:ext cx="8229600" cy="4754562"/>
-          </a:xfrm>
-        </p:spPr>
+        <p:spPr/>
         <p:txBody>
           <a:bodyPr>
-            <a:normAutofit fontScale="90000"/>
+            <a:normAutofit/>
           </a:bodyPr>
           <a:lstStyle/>
           <a:p>
-            <a:pPr algn="l"/>
+            <a:pPr algn="l">
+              <a:buFont typeface="Wingdings" pitchFamily="2" charset="2"/>
+              <a:buChar char="Ø"/>
+            </a:pPr>
+            <a:r>
+              <a:rPr lang="en-US" sz="2000" dirty="0" smtClean="0">
+                <a:latin typeface="Arial" pitchFamily="34" charset="0"/>
+                <a:cs typeface="Arial" pitchFamily="34" charset="0"/>
+              </a:rPr>
+              <a:t> Total Revenue by Category</a:t>
+            </a:r>
+            <a:br>
+              <a:rPr lang="en-US" sz="2000" dirty="0" smtClean="0">
+                <a:latin typeface="Arial" pitchFamily="34" charset="0"/>
+                <a:cs typeface="Arial" pitchFamily="34" charset="0"/>
+              </a:rPr>
+            </a:br>
+            <a:endParaRPr lang="en-US" sz="2000" dirty="0">
+              <a:latin typeface="Arial" pitchFamily="34" charset="0"/>
+              <a:cs typeface="Arial" pitchFamily="34" charset="0"/>
+            </a:endParaRPr>
+          </a:p>
+        </p:txBody>
+      </p:sp>
+      <p:pic>
+        <p:nvPicPr>
+          <p:cNvPr id="3" name="Picture 2" descr="14q.PNG"/>
+          <p:cNvPicPr>
+            <a:picLocks noChangeAspect="1"/>
+          </p:cNvPicPr>
+          <p:nvPr/>
+        </p:nvPicPr>
+        <p:blipFill>
+          <a:blip r:embed="rId2"/>
+          <a:stretch>
+            <a:fillRect/>
+          </a:stretch>
+        </p:blipFill>
+        <p:spPr>
+          <a:xfrm>
+            <a:off x="838200" y="1676400"/>
+            <a:ext cx="3078747" cy="1882303"/>
+          </a:xfrm>
+          <a:prstGeom prst="rect">
+            <a:avLst/>
+          </a:prstGeom>
+        </p:spPr>
+      </p:pic>
+      <p:pic>
+        <p:nvPicPr>
+          <p:cNvPr id="4" name="Picture 3" descr="14r.PNG"/>
+          <p:cNvPicPr>
+            <a:picLocks noChangeAspect="1"/>
+          </p:cNvPicPr>
+          <p:nvPr/>
+        </p:nvPicPr>
+        <p:blipFill>
+          <a:blip r:embed="rId3"/>
+          <a:stretch>
+            <a:fillRect/>
+          </a:stretch>
+        </p:blipFill>
+        <p:spPr>
+          <a:xfrm>
+            <a:off x="5105400" y="1828800"/>
+            <a:ext cx="2971800" cy="2065402"/>
+          </a:xfrm>
+          <a:prstGeom prst="rect">
+            <a:avLst/>
+          </a:prstGeom>
+        </p:spPr>
+      </p:pic>
+      <p:sp>
+        <p:nvSpPr>
+          <p:cNvPr id="5" name="TextBox 4"/>
+          <p:cNvSpPr txBox="1"/>
+          <p:nvPr/>
+        </p:nvSpPr>
+        <p:spPr>
+          <a:xfrm>
+            <a:off x="228601" y="4572000"/>
+            <a:ext cx="8382000" cy="1077218"/>
+          </a:xfrm>
+          <a:prstGeom prst="rect">
+            <a:avLst/>
+          </a:prstGeom>
+          <a:noFill/>
+        </p:spPr>
+        <p:txBody>
+          <a:bodyPr wrap="square" rtlCol="0">
+            <a:spAutoFit/>
+          </a:bodyPr>
+          <a:lstStyle/>
+          <a:p>
+            <a:r>
+              <a:rPr lang="en-US" sz="1600" dirty="0" smtClean="0"/>
+              <a:t>The total revenue analysis shows that </a:t>
+            </a:r>
             <a:r>
               <a:rPr lang="en-US" sz="1600" b="1" dirty="0" smtClean="0"/>
-              <a:t>Conclusion</a:t>
+              <a:t>Furniture</a:t>
+            </a:r>
+            <a:r>
+              <a:rPr lang="en-US" sz="1600" dirty="0" smtClean="0"/>
+              <a:t> leads with the highest revenue at </a:t>
             </a:r>
             <a:r>
               <a:rPr lang="en-US" sz="1600" b="1" dirty="0" smtClean="0"/>
-              <a:t>:</a:t>
-            </a:r>
-            <a:br>
+              <a:t>$111.5 million</a:t>
+            </a:r>
+            <a:r>
+              <a:rPr lang="en-US" sz="1600" dirty="0" smtClean="0"/>
+              <a:t>, followed closely by </a:t>
+            </a:r>
+            <a:r>
               <a:rPr lang="en-US" sz="1600" b="1" dirty="0" smtClean="0"/>
-            </a:br>
+              <a:t>Groceries</a:t>
+            </a:r>
+            <a:r>
+              <a:rPr lang="en-US" sz="1600" dirty="0" smtClean="0"/>
+              <a:t> at </a:t>
+            </a:r>
             <a:r>
               <a:rPr lang="en-US" sz="1600" b="1" dirty="0" smtClean="0"/>
-              <a:t/>
-            </a:r>
-            <a:br>
+              <a:t>$111 million</a:t>
+            </a:r>
+            <a:r>
+              <a:rPr lang="en-US" sz="1600" dirty="0" smtClean="0"/>
+              <a:t>. </a:t>
+            </a:r>
+            <a:r>
               <a:rPr lang="en-US" sz="1600" b="1" dirty="0" smtClean="0"/>
-            </a:br>
-            <a:r>
-              <a:rPr lang="en-US" sz="1600" dirty="0" smtClean="0"/>
-              <a:t>The data reveals consistent sales across regions and categories, with seasonal trends and minimal weather impact on sales. Furniture and Groceries are the highest revenue-generating categories, while slow-moving products could benefit from promotions. Discounts show a small effect on sales, suggesting other factors should be prioritized for inventory management</a:t>
-            </a:r>
-            <a:r>
-              <a:rPr lang="en-US" sz="1600" dirty="0" smtClean="0"/>
-              <a:t>.</a:t>
-            </a:r>
-            <a:br>
-              <a:rPr lang="en-US" sz="1600" dirty="0" smtClean="0"/>
-            </a:br>
-            <a:r>
-              <a:rPr lang="en-US" sz="1600" dirty="0" smtClean="0"/>
-              <a:t/>
-            </a:r>
-            <a:br>
-              <a:rPr lang="en-US" sz="1600" dirty="0" smtClean="0"/>
-            </a:br>
+              <a:t>Clothing</a:t>
+            </a:r>
+            <a:r>
+              <a:rPr lang="en-US" sz="1600" dirty="0" smtClean="0"/>
+              <a:t>, </a:t>
+            </a:r>
             <a:r>
               <a:rPr lang="en-US" sz="1600" b="1" dirty="0" smtClean="0"/>
-              <a:t>Tips to Improve Inventory</a:t>
+              <a:t>Toys</a:t>
+            </a:r>
+            <a:r>
+              <a:rPr lang="en-US" sz="1600" dirty="0" smtClean="0"/>
+              <a:t>, and </a:t>
             </a:r>
             <a:r>
               <a:rPr lang="en-US" sz="1600" b="1" dirty="0" smtClean="0"/>
-              <a:t>:</a:t>
-            </a:r>
-            <a:br>
-              <a:rPr lang="en-US" sz="1600" b="1" dirty="0" smtClean="0"/>
-            </a:br>
-            <a:r>
-              <a:rPr lang="en-US" sz="1600" b="1" dirty="0" smtClean="0"/>
-              <a:t/>
-            </a:r>
-            <a:br>
-              <a:rPr lang="en-US" sz="1600" b="1" dirty="0" smtClean="0"/>
-            </a:br>
-            <a:r>
-              <a:rPr lang="en-US" sz="1600" b="1" dirty="0" smtClean="0"/>
-              <a:t>Optimize Stock Levels</a:t>
-            </a:r>
-            <a:r>
-              <a:rPr lang="en-US" sz="1600" dirty="0" smtClean="0"/>
-              <a:t>: Align inventory with actual sales data to prevent overstocking and </a:t>
-            </a:r>
-            <a:r>
-              <a:rPr lang="en-US" sz="1600" dirty="0" err="1" smtClean="0"/>
-              <a:t>stockouts</a:t>
-            </a:r>
-            <a:r>
-              <a:rPr lang="en-US" sz="1600" dirty="0" smtClean="0"/>
-              <a:t>, particularly in high-revenue categories like Furniture and Groceries</a:t>
-            </a:r>
-            <a:r>
-              <a:rPr lang="en-US" sz="1600" dirty="0" smtClean="0"/>
-              <a:t>.</a:t>
-            </a:r>
-            <a:br>
-              <a:rPr lang="en-US" sz="1600" dirty="0" smtClean="0"/>
-            </a:br>
-            <a:r>
-              <a:rPr lang="en-US" sz="1600" dirty="0" smtClean="0"/>
-              <a:t/>
-            </a:r>
-            <a:br>
-              <a:rPr lang="en-US" sz="1600" dirty="0" smtClean="0"/>
-            </a:br>
-            <a:r>
-              <a:rPr lang="en-US" sz="1600" b="1" dirty="0" smtClean="0"/>
-              <a:t>Focus on Slow-Moving Products</a:t>
-            </a:r>
-            <a:r>
-              <a:rPr lang="en-US" sz="1600" dirty="0" smtClean="0"/>
-              <a:t>: Implement targeted promotions and discounts for slow-moving products to clear excess inventory and improve turnover</a:t>
-            </a:r>
-            <a:r>
-              <a:rPr lang="en-US" sz="1600" dirty="0" smtClean="0"/>
-              <a:t>.</a:t>
-            </a:r>
-            <a:br>
-              <a:rPr lang="en-US" sz="1600" dirty="0" smtClean="0"/>
-            </a:br>
-            <a:r>
-              <a:rPr lang="en-US" sz="1600" dirty="0" smtClean="0"/>
-              <a:t/>
-            </a:r>
-            <a:br>
-              <a:rPr lang="en-US" sz="1600" dirty="0" smtClean="0"/>
-            </a:br>
-            <a:r>
-              <a:rPr lang="en-US" sz="1600" b="1" dirty="0" smtClean="0"/>
-              <a:t>Adjust Seasonal Stocking</a:t>
-            </a:r>
-            <a:r>
-              <a:rPr lang="en-US" sz="1600" dirty="0" smtClean="0"/>
-              <a:t>: Plan inventory according to seasonal trends, ensuring that stock levels are sufficient for peak seasons like Autumn and Winter</a:t>
-            </a:r>
-            <a:r>
-              <a:rPr lang="en-US" sz="1600" dirty="0" smtClean="0"/>
-              <a:t>.</a:t>
-            </a:r>
-            <a:br>
-              <a:rPr lang="en-US" sz="1600" dirty="0" smtClean="0"/>
-            </a:br>
-            <a:r>
-              <a:rPr lang="en-US" sz="1600" dirty="0" smtClean="0"/>
-              <a:t/>
-            </a:r>
-            <a:br>
-              <a:rPr lang="en-US" sz="1600" dirty="0" smtClean="0"/>
-            </a:br>
-            <a:r>
-              <a:rPr lang="en-US" sz="1600" b="1" dirty="0" smtClean="0"/>
-              <a:t>Monitor Competitor Pricing</a:t>
-            </a:r>
-            <a:r>
-              <a:rPr lang="en-US" sz="1600" dirty="0" smtClean="0"/>
-              <a:t>: Regularly compare your pricing with competitors and adjust discounts or promotions to remain competitive without sacrificing profitability.</a:t>
-            </a:r>
-            <a:br>
-              <a:rPr lang="en-US" sz="1600" dirty="0" smtClean="0"/>
-            </a:br>
-            <a:r>
-              <a:rPr lang="en-US" sz="1600" dirty="0" smtClean="0"/>
-              <a:t/>
-            </a:r>
-            <a:br>
-              <a:rPr lang="en-US" sz="1600" dirty="0" smtClean="0"/>
-            </a:br>
-            <a:r>
-              <a:rPr lang="en-US" sz="1600" dirty="0" smtClean="0"/>
-              <a:t/>
-            </a:r>
-            <a:br>
-              <a:rPr lang="en-US" sz="1600" dirty="0" smtClean="0"/>
-            </a:br>
-            <a:r>
-              <a:rPr lang="en-US" sz="1600" dirty="0" smtClean="0"/>
-              <a:t/>
-            </a:r>
-            <a:br>
-              <a:rPr lang="en-US" sz="1600" dirty="0" smtClean="0"/>
-            </a:br>
+              <a:t>Electronics</a:t>
+            </a:r>
+            <a:r>
+              <a:rPr lang="en-US" sz="1600" dirty="0" smtClean="0"/>
+              <a:t> contribute similar revenue levels, indicating a strong performance across these categories. Focusing on these high-revenue categories could help sustain growth.</a:t>
+            </a:r>
             <a:endParaRPr lang="en-US" sz="1600" dirty="0"/>
           </a:p>
         </p:txBody>
@@ -4895,7 +4877,12 @@
             <p:ph type="title"/>
           </p:nvPr>
         </p:nvSpPr>
-        <p:spPr/>
+        <p:spPr>
+          <a:xfrm>
+            <a:off x="457200" y="609600"/>
+            <a:ext cx="8229600" cy="914400"/>
+          </a:xfrm>
+        </p:spPr>
         <p:txBody>
           <a:bodyPr>
             <a:normAutofit/>
@@ -4925,8 +4912,8 @@
         </p:nvSpPr>
         <p:spPr>
           <a:xfrm>
-            <a:off x="457200" y="1600200"/>
-            <a:ext cx="8001000" cy="2031325"/>
+            <a:off x="457200" y="1752600"/>
+            <a:ext cx="8001000" cy="2831544"/>
           </a:xfrm>
           <a:prstGeom prst="rect">
             <a:avLst/>
@@ -4958,12 +4945,252 @@
                 <a:latin typeface="Arial" pitchFamily="34" charset="0"/>
                 <a:cs typeface="Arial" pitchFamily="34" charset="0"/>
               </a:rPr>
-              <a:t>, and ultimately improve revenue and customer satisfaction across various product categories.</a:t>
-            </a:r>
+              <a:t>, and ultimately improve revenue and customer satisfaction across various product categories</a:t>
+            </a:r>
+            <a:r>
+              <a:rPr lang="en-US" dirty="0" smtClean="0">
+                <a:latin typeface="Arial" pitchFamily="34" charset="0"/>
+                <a:cs typeface="Arial" pitchFamily="34" charset="0"/>
+              </a:rPr>
+              <a:t>.</a:t>
+            </a:r>
+          </a:p>
+          <a:p>
+            <a:endParaRPr lang="en-US" dirty="0" smtClean="0">
+              <a:latin typeface="Arial" pitchFamily="34" charset="0"/>
+              <a:cs typeface="Arial" pitchFamily="34" charset="0"/>
+            </a:endParaRPr>
+          </a:p>
+          <a:p>
+            <a:endParaRPr lang="en-US" sz="1600" dirty="0" smtClean="0">
+              <a:latin typeface="Arial" pitchFamily="34" charset="0"/>
+              <a:cs typeface="Arial" pitchFamily="34" charset="0"/>
+            </a:endParaRPr>
+          </a:p>
+          <a:p>
             <a:endParaRPr lang="en-US" dirty="0">
               <a:latin typeface="Arial" pitchFamily="34" charset="0"/>
               <a:cs typeface="Arial" pitchFamily="34" charset="0"/>
             </a:endParaRPr>
+          </a:p>
+        </p:txBody>
+      </p:sp>
+    </p:spTree>
+  </p:cSld>
+  <p:clrMapOvr>
+    <a:masterClrMapping/>
+  </p:clrMapOvr>
+  <p:timing>
+    <p:tnLst>
+      <p:par>
+        <p:cTn id="1" dur="indefinite" restart="never" nodeType="tmRoot"/>
+      </p:par>
+    </p:tnLst>
+  </p:timing>
+</p:sld>
+</file>
+
+<file path=ppt/slides/slide20.xml><?xml version="1.0" encoding="utf-8"?>
+<p:sld xmlns:a="http://schemas.openxmlformats.org/drawingml/2006/main" xmlns:r="http://schemas.openxmlformats.org/officeDocument/2006/relationships" xmlns:p="http://schemas.openxmlformats.org/presentationml/2006/main">
+  <p:cSld>
+    <p:spTree>
+      <p:nvGrpSpPr>
+        <p:cNvPr id="1" name=""/>
+        <p:cNvGrpSpPr/>
+        <p:nvPr/>
+      </p:nvGrpSpPr>
+      <p:grpSpPr>
+        <a:xfrm>
+          <a:off x="0" y="0"/>
+          <a:ext cx="0" cy="0"/>
+          <a:chOff x="0" y="0"/>
+          <a:chExt cx="0" cy="0"/>
+        </a:xfrm>
+      </p:grpSpPr>
+      <p:sp>
+        <p:nvSpPr>
+          <p:cNvPr id="2" name="Title 1"/>
+          <p:cNvSpPr>
+            <a:spLocks noGrp="1"/>
+          </p:cNvSpPr>
+          <p:nvPr>
+            <p:ph type="title"/>
+          </p:nvPr>
+        </p:nvSpPr>
+        <p:spPr>
+          <a:xfrm>
+            <a:off x="457200" y="274638"/>
+            <a:ext cx="8229600" cy="4754562"/>
+          </a:xfrm>
+        </p:spPr>
+        <p:txBody>
+          <a:bodyPr>
+            <a:normAutofit fontScale="90000"/>
+          </a:bodyPr>
+          <a:lstStyle/>
+          <a:p>
+            <a:pPr algn="l"/>
+            <a:r>
+              <a:rPr lang="en-US" sz="1600" b="1" dirty="0" smtClean="0"/>
+              <a:t>Conclusion</a:t>
+            </a:r>
+            <a:r>
+              <a:rPr lang="en-US" sz="1600" b="1" dirty="0" smtClean="0"/>
+              <a:t>:</a:t>
+            </a:r>
+            <a:br>
+              <a:rPr lang="en-US" sz="1600" b="1" dirty="0" smtClean="0"/>
+            </a:br>
+            <a:r>
+              <a:rPr lang="en-US" sz="1600" b="1" dirty="0" smtClean="0"/>
+              <a:t/>
+            </a:r>
+            <a:br>
+              <a:rPr lang="en-US" sz="1600" b="1" dirty="0" smtClean="0"/>
+            </a:br>
+            <a:r>
+              <a:rPr lang="en-US" sz="1600" dirty="0" smtClean="0"/>
+              <a:t>The data reveals consistent sales across regions and categories, with seasonal trends and minimal weather impact on sales. Furniture and Groceries are the highest revenue-generating categories, while slow-moving products could benefit from promotions. Discounts show a small effect on sales, suggesting other factors should be prioritized for inventory management</a:t>
+            </a:r>
+            <a:r>
+              <a:rPr lang="en-US" sz="1600" dirty="0" smtClean="0"/>
+              <a:t>.</a:t>
+            </a:r>
+            <a:br>
+              <a:rPr lang="en-US" sz="1600" dirty="0" smtClean="0"/>
+            </a:br>
+            <a:r>
+              <a:rPr lang="en-US" sz="1600" dirty="0" smtClean="0"/>
+              <a:t/>
+            </a:r>
+            <a:br>
+              <a:rPr lang="en-US" sz="1600" dirty="0" smtClean="0"/>
+            </a:br>
+            <a:r>
+              <a:rPr lang="en-US" sz="1600" b="1" dirty="0" smtClean="0"/>
+              <a:t>Tips to Improve Inventory</a:t>
+            </a:r>
+            <a:r>
+              <a:rPr lang="en-US" sz="1600" b="1" dirty="0" smtClean="0"/>
+              <a:t>:</a:t>
+            </a:r>
+            <a:br>
+              <a:rPr lang="en-US" sz="1600" b="1" dirty="0" smtClean="0"/>
+            </a:br>
+            <a:r>
+              <a:rPr lang="en-US" sz="1600" b="1" dirty="0" smtClean="0"/>
+              <a:t/>
+            </a:r>
+            <a:br>
+              <a:rPr lang="en-US" sz="1600" b="1" dirty="0" smtClean="0"/>
+            </a:br>
+            <a:r>
+              <a:rPr lang="en-US" sz="1600" b="1" dirty="0" smtClean="0"/>
+              <a:t>Optimize Stock Levels</a:t>
+            </a:r>
+            <a:r>
+              <a:rPr lang="en-US" sz="1600" dirty="0" smtClean="0"/>
+              <a:t>: Align inventory with actual sales data to prevent overstocking and </a:t>
+            </a:r>
+            <a:r>
+              <a:rPr lang="en-US" sz="1600" dirty="0" err="1" smtClean="0"/>
+              <a:t>stockouts</a:t>
+            </a:r>
+            <a:r>
+              <a:rPr lang="en-US" sz="1600" dirty="0" smtClean="0"/>
+              <a:t>, particularly in high-revenue categories like Furniture and Groceries</a:t>
+            </a:r>
+            <a:r>
+              <a:rPr lang="en-US" sz="1600" dirty="0" smtClean="0"/>
+              <a:t>.</a:t>
+            </a:r>
+            <a:br>
+              <a:rPr lang="en-US" sz="1600" dirty="0" smtClean="0"/>
+            </a:br>
+            <a:r>
+              <a:rPr lang="en-US" sz="1600" dirty="0" smtClean="0"/>
+              <a:t/>
+            </a:r>
+            <a:br>
+              <a:rPr lang="en-US" sz="1600" dirty="0" smtClean="0"/>
+            </a:br>
+            <a:r>
+              <a:rPr lang="en-US" sz="1600" b="1" dirty="0" smtClean="0"/>
+              <a:t>Focus on Slow-Moving Products</a:t>
+            </a:r>
+            <a:r>
+              <a:rPr lang="en-US" sz="1600" dirty="0" smtClean="0"/>
+              <a:t>: Implement targeted promotions and discounts for slow-moving products to clear excess inventory and improve turnover</a:t>
+            </a:r>
+            <a:r>
+              <a:rPr lang="en-US" sz="1600" dirty="0" smtClean="0"/>
+              <a:t>.</a:t>
+            </a:r>
+            <a:br>
+              <a:rPr lang="en-US" sz="1600" dirty="0" smtClean="0"/>
+            </a:br>
+            <a:r>
+              <a:rPr lang="en-US" sz="1600" dirty="0" smtClean="0"/>
+              <a:t/>
+            </a:r>
+            <a:br>
+              <a:rPr lang="en-US" sz="1600" dirty="0" smtClean="0"/>
+            </a:br>
+            <a:r>
+              <a:rPr lang="en-US" sz="1600" b="1" dirty="0" smtClean="0"/>
+              <a:t>Adjust Seasonal Stocking</a:t>
+            </a:r>
+            <a:r>
+              <a:rPr lang="en-US" sz="1600" dirty="0" smtClean="0"/>
+              <a:t>: Plan inventory according to seasonal trends, ensuring that stock levels are sufficient for peak seasons like Autumn and Winter</a:t>
+            </a:r>
+            <a:r>
+              <a:rPr lang="en-US" sz="1600" dirty="0" smtClean="0"/>
+              <a:t>.</a:t>
+            </a:r>
+            <a:br>
+              <a:rPr lang="en-US" sz="1600" dirty="0" smtClean="0"/>
+            </a:br>
+            <a:r>
+              <a:rPr lang="en-US" sz="1600" dirty="0" smtClean="0"/>
+              <a:t/>
+            </a:r>
+            <a:br>
+              <a:rPr lang="en-US" sz="1600" dirty="0" smtClean="0"/>
+            </a:br>
+            <a:r>
+              <a:rPr lang="en-US" sz="1600" b="1" dirty="0" smtClean="0"/>
+              <a:t>Monitor Competitor Pricing</a:t>
+            </a:r>
+            <a:r>
+              <a:rPr lang="en-US" sz="1600" dirty="0" smtClean="0"/>
+              <a:t>: Regularly compare your pricing with competitors and adjust discounts or promotions to remain competitive without sacrificing profitability.</a:t>
+            </a:r>
+            <a:br>
+              <a:rPr lang="en-US" sz="1600" dirty="0" smtClean="0"/>
+            </a:br>
+            <a:r>
+              <a:rPr lang="en-US" sz="1600" dirty="0" smtClean="0"/>
+              <a:t/>
+            </a:r>
+            <a:br>
+              <a:rPr lang="en-US" sz="1600" dirty="0" smtClean="0"/>
+            </a:br>
+            <a:r>
+              <a:rPr lang="en-US" sz="1600" dirty="0" smtClean="0"/>
+              <a:t/>
+            </a:r>
+            <a:br>
+              <a:rPr lang="en-US" sz="1600" dirty="0" smtClean="0"/>
+            </a:br>
+            <a:r>
+              <a:rPr lang="en-US" sz="1600" dirty="0" smtClean="0"/>
+              <a:t/>
+            </a:r>
+            <a:br>
+              <a:rPr lang="en-US" sz="1600" dirty="0" smtClean="0"/>
+            </a:br>
+            <a:endParaRPr lang="en-US" sz="1600" dirty="0"/>
           </a:p>
         </p:txBody>
       </p:sp>
@@ -5011,13 +5238,13 @@
         </p:nvSpPr>
         <p:spPr>
           <a:xfrm>
-            <a:off x="228600" y="228600"/>
-            <a:ext cx="8458200" cy="6248400"/>
+            <a:off x="457200" y="228600"/>
+            <a:ext cx="8229600" cy="5897563"/>
           </a:xfrm>
         </p:spPr>
         <p:txBody>
           <a:bodyPr>
-            <a:normAutofit fontScale="92500" lnSpcReduction="10000"/>
+            <a:normAutofit/>
           </a:bodyPr>
           <a:lstStyle/>
           <a:p>
@@ -5025,205 +5252,442 @@
               <a:buNone/>
             </a:pPr>
             <a:r>
-              <a:rPr lang="en-US" dirty="0" smtClean="0">
-                <a:latin typeface="Arial Black" pitchFamily="34" charset="0"/>
-              </a:rPr>
-              <a:t>Objectives</a:t>
+              <a:rPr lang="en-US" sz="1600" dirty="0" smtClean="0">
+                <a:latin typeface="Arial" pitchFamily="34" charset="0"/>
+                <a:cs typeface="Arial" pitchFamily="34" charset="0"/>
+              </a:rPr>
+              <a:t>The problem it solves is </a:t>
+            </a:r>
+            <a:r>
+              <a:rPr lang="en-US" sz="1600" b="1" dirty="0" smtClean="0">
+                <a:latin typeface="Arial" pitchFamily="34" charset="0"/>
+                <a:cs typeface="Arial" pitchFamily="34" charset="0"/>
+              </a:rPr>
+              <a:t>inefficient inventory management</a:t>
+            </a:r>
+            <a:r>
+              <a:rPr lang="en-US" sz="1600" dirty="0" smtClean="0">
+                <a:latin typeface="Arial" pitchFamily="34" charset="0"/>
+                <a:cs typeface="Arial" pitchFamily="34" charset="0"/>
+              </a:rPr>
+              <a:t>, which can lead </a:t>
+            </a:r>
+            <a:r>
+              <a:rPr lang="en-US" sz="1600" dirty="0" smtClean="0">
+                <a:latin typeface="Arial" pitchFamily="34" charset="0"/>
+                <a:cs typeface="Arial" pitchFamily="34" charset="0"/>
+              </a:rPr>
+              <a:t>to</a:t>
             </a:r>
           </a:p>
           <a:p>
             <a:pPr>
               <a:buNone/>
             </a:pPr>
-            <a:endParaRPr lang="en-US" sz="2400" dirty="0" smtClean="0">
-              <a:latin typeface="Arial Black" pitchFamily="34" charset="0"/>
-            </a:endParaRPr>
+            <a:r>
+              <a:rPr lang="en-US" sz="1600" b="1" dirty="0" smtClean="0">
+                <a:latin typeface="Arial" pitchFamily="34" charset="0"/>
+                <a:cs typeface="Arial" pitchFamily="34" charset="0"/>
+              </a:rPr>
+              <a:t>overstocking</a:t>
+            </a:r>
+            <a:r>
+              <a:rPr lang="en-US" sz="1600" dirty="0" smtClean="0">
+                <a:latin typeface="Arial" pitchFamily="34" charset="0"/>
+                <a:cs typeface="Arial" pitchFamily="34" charset="0"/>
+              </a:rPr>
+              <a:t>, </a:t>
+            </a:r>
+            <a:r>
+              <a:rPr lang="en-US" sz="1600" b="1" dirty="0" err="1" smtClean="0">
+                <a:latin typeface="Arial" pitchFamily="34" charset="0"/>
+                <a:cs typeface="Arial" pitchFamily="34" charset="0"/>
+              </a:rPr>
+              <a:t>stockouts</a:t>
+            </a:r>
+            <a:r>
+              <a:rPr lang="en-US" sz="1600" dirty="0" smtClean="0">
+                <a:latin typeface="Arial" pitchFamily="34" charset="0"/>
+                <a:cs typeface="Arial" pitchFamily="34" charset="0"/>
+              </a:rPr>
+              <a:t>, and </a:t>
+            </a:r>
+            <a:r>
+              <a:rPr lang="en-US" sz="1600" b="1" dirty="0" smtClean="0">
+                <a:latin typeface="Arial" pitchFamily="34" charset="0"/>
+                <a:cs typeface="Arial" pitchFamily="34" charset="0"/>
+              </a:rPr>
+              <a:t>inaccurate demand forecasting</a:t>
+            </a:r>
+            <a:r>
+              <a:rPr lang="en-US" sz="1600" dirty="0" smtClean="0">
+                <a:latin typeface="Arial" pitchFamily="34" charset="0"/>
+                <a:cs typeface="Arial" pitchFamily="34" charset="0"/>
+              </a:rPr>
+              <a:t>.</a:t>
+            </a:r>
           </a:p>
           <a:p>
             <a:pPr>
-              <a:buFont typeface="Wingdings" pitchFamily="2" charset="2"/>
-              <a:buChar char="Ø"/>
+              <a:buNone/>
             </a:pPr>
-            <a:r>
-              <a:rPr lang="en-US" sz="2400" dirty="0" smtClean="0">
-                <a:latin typeface="Arial" pitchFamily="34" charset="0"/>
-                <a:cs typeface="Arial" pitchFamily="34" charset="0"/>
-              </a:rPr>
-              <a:t>Category-Wise Inventory Summary</a:t>
-            </a:r>
-          </a:p>
-          <a:p>
-            <a:pPr>
-              <a:buFont typeface="Wingdings" pitchFamily="2" charset="2"/>
-              <a:buChar char="Ø"/>
-            </a:pPr>
-            <a:r>
-              <a:rPr lang="en-US" sz="2400" dirty="0" smtClean="0">
-                <a:latin typeface="Arial" pitchFamily="34" charset="0"/>
-                <a:cs typeface="Arial" pitchFamily="34" charset="0"/>
-              </a:rPr>
-              <a:t>Category-Wise Inventory to sale ratio</a:t>
-            </a:r>
-          </a:p>
-          <a:p>
-            <a:pPr>
-              <a:buFont typeface="Wingdings" pitchFamily="2" charset="2"/>
-              <a:buChar char="Ø"/>
-            </a:pPr>
-            <a:r>
-              <a:rPr lang="en-US" sz="2400" dirty="0" smtClean="0">
-                <a:latin typeface="Arial" pitchFamily="34" charset="0"/>
-                <a:cs typeface="Arial" pitchFamily="34" charset="0"/>
-              </a:rPr>
-              <a:t>Regional Inventory Insights</a:t>
-            </a:r>
-          </a:p>
-          <a:p>
-            <a:pPr>
-              <a:buFont typeface="Wingdings" pitchFamily="2" charset="2"/>
-              <a:buChar char="Ø"/>
-            </a:pPr>
-            <a:r>
-              <a:rPr lang="en-US" sz="2400" dirty="0" smtClean="0">
-                <a:latin typeface="Arial" pitchFamily="34" charset="0"/>
-                <a:cs typeface="Arial" pitchFamily="34" charset="0"/>
-              </a:rPr>
-              <a:t>Monthly sales trends</a:t>
-            </a:r>
-          </a:p>
-          <a:p>
-            <a:pPr>
-              <a:buFont typeface="Wingdings" pitchFamily="2" charset="2"/>
-              <a:buChar char="Ø"/>
-            </a:pPr>
-            <a:r>
-              <a:rPr lang="en-US" sz="2400" dirty="0" smtClean="0">
-                <a:latin typeface="Arial" pitchFamily="34" charset="0"/>
-                <a:cs typeface="Arial" pitchFamily="34" charset="0"/>
-              </a:rPr>
-              <a:t>Identify Fast-Moving Products</a:t>
-            </a:r>
-          </a:p>
-          <a:p>
-            <a:pPr>
-              <a:buFont typeface="Wingdings" pitchFamily="2" charset="2"/>
-              <a:buChar char="Ø"/>
-            </a:pPr>
-            <a:r>
-              <a:rPr lang="en-US" sz="2400" dirty="0" smtClean="0">
-                <a:latin typeface="Arial" pitchFamily="34" charset="0"/>
-                <a:cs typeface="Arial" pitchFamily="34" charset="0"/>
-              </a:rPr>
-              <a:t>Identify Slow-Moving Products</a:t>
-            </a:r>
-          </a:p>
-          <a:p>
-            <a:pPr>
-              <a:buFont typeface="Wingdings" pitchFamily="2" charset="2"/>
-              <a:buChar char="Ø"/>
-            </a:pPr>
-            <a:r>
-              <a:rPr lang="en-US" sz="2400" dirty="0" smtClean="0">
-                <a:latin typeface="Arial" pitchFamily="34" charset="0"/>
-                <a:cs typeface="Arial" pitchFamily="34" charset="0"/>
-              </a:rPr>
-              <a:t>Overstock Analysis</a:t>
-            </a:r>
-          </a:p>
-          <a:p>
-            <a:pPr>
-              <a:buFont typeface="Wingdings" pitchFamily="2" charset="2"/>
-              <a:buChar char="Ø"/>
-            </a:pPr>
-            <a:r>
-              <a:rPr lang="en-US" sz="2400" dirty="0" smtClean="0">
-                <a:latin typeface="Arial" pitchFamily="34" charset="0"/>
-                <a:cs typeface="Arial" pitchFamily="34" charset="0"/>
-              </a:rPr>
-              <a:t>Stock out Risk Analysis</a:t>
-            </a:r>
-          </a:p>
-          <a:p>
-            <a:pPr>
-              <a:buFont typeface="Wingdings" pitchFamily="2" charset="2"/>
-              <a:buChar char="Ø"/>
-            </a:pPr>
-            <a:r>
-              <a:rPr lang="en-US" sz="2400" dirty="0" smtClean="0">
-                <a:latin typeface="Arial" pitchFamily="34" charset="0"/>
-                <a:cs typeface="Arial" pitchFamily="34" charset="0"/>
-              </a:rPr>
-              <a:t>Seasonal Trends</a:t>
-            </a:r>
-          </a:p>
-          <a:p>
-            <a:pPr>
-              <a:buFont typeface="Wingdings" pitchFamily="2" charset="2"/>
-              <a:buChar char="Ø"/>
-            </a:pPr>
-            <a:r>
-              <a:rPr lang="en-US" sz="2400" dirty="0" smtClean="0">
-                <a:latin typeface="Arial" pitchFamily="34" charset="0"/>
-                <a:cs typeface="Arial" pitchFamily="34" charset="0"/>
-              </a:rPr>
-              <a:t>Holiday/Promotion Impact</a:t>
-            </a:r>
-          </a:p>
-          <a:p>
-            <a:pPr>
-              <a:buFont typeface="Wingdings" pitchFamily="2" charset="2"/>
-              <a:buChar char="Ø"/>
-            </a:pPr>
-            <a:r>
-              <a:rPr lang="en-US" sz="2400" dirty="0" smtClean="0">
-                <a:latin typeface="Arial" pitchFamily="34" charset="0"/>
-                <a:cs typeface="Arial" pitchFamily="34" charset="0"/>
-              </a:rPr>
-              <a:t>Weather Condition Analysis</a:t>
-            </a:r>
-          </a:p>
-          <a:p>
-            <a:pPr>
-              <a:buFont typeface="Wingdings" pitchFamily="2" charset="2"/>
-              <a:buChar char="Ø"/>
-            </a:pPr>
-            <a:r>
-              <a:rPr lang="en-US" sz="2400" dirty="0" smtClean="0">
-                <a:latin typeface="Arial" pitchFamily="34" charset="0"/>
-                <a:cs typeface="Arial" pitchFamily="34" charset="0"/>
-              </a:rPr>
-              <a:t>Competitor Price Analysis</a:t>
-            </a:r>
-          </a:p>
-          <a:p>
-            <a:pPr>
-              <a:buFont typeface="Wingdings" pitchFamily="2" charset="2"/>
-              <a:buChar char="Ø"/>
-            </a:pPr>
-            <a:r>
-              <a:rPr lang="en-US" sz="2400" dirty="0" smtClean="0">
-                <a:latin typeface="Arial" pitchFamily="34" charset="0"/>
-                <a:cs typeface="Arial" pitchFamily="34" charset="0"/>
-              </a:rPr>
-              <a:t>Discount Effectiveness</a:t>
-            </a:r>
-          </a:p>
-          <a:p>
-            <a:pPr>
-              <a:buFont typeface="Wingdings" pitchFamily="2" charset="2"/>
-              <a:buChar char="Ø"/>
-            </a:pPr>
-            <a:r>
-              <a:rPr lang="en-US" sz="2400" dirty="0" smtClean="0">
-                <a:latin typeface="Arial" pitchFamily="34" charset="0"/>
-                <a:cs typeface="Arial" pitchFamily="34" charset="0"/>
-              </a:rPr>
-              <a:t>Total Revenue by Category</a:t>
-            </a:r>
-            <a:endParaRPr lang="en-US" sz="2400" dirty="0">
+            <a:endParaRPr lang="en-US" sz="1600" dirty="0" smtClean="0">
               <a:latin typeface="Arial" pitchFamily="34" charset="0"/>
               <a:cs typeface="Arial" pitchFamily="34" charset="0"/>
             </a:endParaRPr>
+          </a:p>
+          <a:p>
+            <a:pPr>
+              <a:buNone/>
+            </a:pPr>
+            <a:r>
+              <a:rPr lang="en-US" sz="1600" dirty="0" smtClean="0">
+                <a:latin typeface="Arial" pitchFamily="34" charset="0"/>
+                <a:cs typeface="Arial" pitchFamily="34" charset="0"/>
+              </a:rPr>
+              <a:t> This project aims to:</a:t>
+            </a:r>
+          </a:p>
+          <a:p>
+            <a:pPr>
+              <a:buNone/>
+            </a:pPr>
+            <a:endParaRPr lang="en-US" sz="1600" dirty="0" smtClean="0">
+              <a:latin typeface="Arial" pitchFamily="34" charset="0"/>
+              <a:cs typeface="Arial" pitchFamily="34" charset="0"/>
+            </a:endParaRPr>
+          </a:p>
+          <a:p>
+            <a:pPr>
+              <a:buNone/>
+            </a:pPr>
+            <a:r>
+              <a:rPr lang="en-US" sz="1600" b="1" dirty="0" smtClean="0">
+                <a:latin typeface="Arial" pitchFamily="34" charset="0"/>
+                <a:cs typeface="Arial" pitchFamily="34" charset="0"/>
+              </a:rPr>
+              <a:t>Optimize Inventory Levels</a:t>
+            </a:r>
+            <a:r>
+              <a:rPr lang="en-US" sz="1600" dirty="0" smtClean="0">
+                <a:latin typeface="Arial" pitchFamily="34" charset="0"/>
+                <a:cs typeface="Arial" pitchFamily="34" charset="0"/>
+              </a:rPr>
+              <a:t>: By analyzing historical sales data, seasonal trends, and </a:t>
+            </a:r>
+            <a:endParaRPr lang="en-US" sz="1600" dirty="0" smtClean="0">
+              <a:latin typeface="Arial" pitchFamily="34" charset="0"/>
+              <a:cs typeface="Arial" pitchFamily="34" charset="0"/>
+            </a:endParaRPr>
+          </a:p>
+          <a:p>
+            <a:pPr>
+              <a:buNone/>
+            </a:pPr>
+            <a:r>
+              <a:rPr lang="en-US" sz="1600" dirty="0" smtClean="0">
+                <a:latin typeface="Arial" pitchFamily="34" charset="0"/>
+                <a:cs typeface="Arial" pitchFamily="34" charset="0"/>
+              </a:rPr>
+              <a:t>regional </a:t>
+            </a:r>
+            <a:r>
+              <a:rPr lang="en-US" sz="1600" dirty="0" smtClean="0">
+                <a:latin typeface="Arial" pitchFamily="34" charset="0"/>
+                <a:cs typeface="Arial" pitchFamily="34" charset="0"/>
+              </a:rPr>
+              <a:t>performance, it helps ensure that inventory levels are aligned with actual </a:t>
+            </a:r>
+            <a:endParaRPr lang="en-US" sz="1600" dirty="0" smtClean="0">
+              <a:latin typeface="Arial" pitchFamily="34" charset="0"/>
+              <a:cs typeface="Arial" pitchFamily="34" charset="0"/>
+            </a:endParaRPr>
+          </a:p>
+          <a:p>
+            <a:pPr>
+              <a:buNone/>
+            </a:pPr>
+            <a:r>
+              <a:rPr lang="en-US" sz="1600" dirty="0" smtClean="0">
+                <a:latin typeface="Arial" pitchFamily="34" charset="0"/>
+                <a:cs typeface="Arial" pitchFamily="34" charset="0"/>
+              </a:rPr>
+              <a:t>demand</a:t>
+            </a:r>
+            <a:r>
+              <a:rPr lang="en-US" sz="1600" dirty="0" smtClean="0">
+                <a:latin typeface="Arial" pitchFamily="34" charset="0"/>
+                <a:cs typeface="Arial" pitchFamily="34" charset="0"/>
+              </a:rPr>
+              <a:t>, reducing excess stock and minimizing the risk of </a:t>
+            </a:r>
+            <a:r>
+              <a:rPr lang="en-US" sz="1600" dirty="0" err="1" smtClean="0">
+                <a:latin typeface="Arial" pitchFamily="34" charset="0"/>
+                <a:cs typeface="Arial" pitchFamily="34" charset="0"/>
+              </a:rPr>
+              <a:t>stockouts</a:t>
+            </a:r>
+            <a:r>
+              <a:rPr lang="en-US" sz="1600" dirty="0" smtClean="0">
+                <a:latin typeface="Arial" pitchFamily="34" charset="0"/>
+                <a:cs typeface="Arial" pitchFamily="34" charset="0"/>
+              </a:rPr>
+              <a:t>.</a:t>
+            </a:r>
+          </a:p>
+          <a:p>
+            <a:pPr>
+              <a:buNone/>
+            </a:pPr>
+            <a:endParaRPr lang="en-US" sz="1600" dirty="0" smtClean="0">
+              <a:latin typeface="Arial" pitchFamily="34" charset="0"/>
+              <a:cs typeface="Arial" pitchFamily="34" charset="0"/>
+            </a:endParaRPr>
+          </a:p>
+          <a:p>
+            <a:pPr>
+              <a:buNone/>
+            </a:pPr>
+            <a:r>
+              <a:rPr lang="en-US" sz="1600" b="1" dirty="0" smtClean="0">
+                <a:latin typeface="Arial" pitchFamily="34" charset="0"/>
+                <a:cs typeface="Arial" pitchFamily="34" charset="0"/>
+              </a:rPr>
+              <a:t>Improve Forecasting</a:t>
+            </a:r>
+            <a:r>
+              <a:rPr lang="en-US" sz="1600" dirty="0" smtClean="0">
+                <a:latin typeface="Arial" pitchFamily="34" charset="0"/>
+                <a:cs typeface="Arial" pitchFamily="34" charset="0"/>
+              </a:rPr>
+              <a:t>: The project uses data-driven insights to enhance demand </a:t>
+            </a:r>
+            <a:endParaRPr lang="en-US" sz="1600" dirty="0" smtClean="0">
+              <a:latin typeface="Arial" pitchFamily="34" charset="0"/>
+              <a:cs typeface="Arial" pitchFamily="34" charset="0"/>
+            </a:endParaRPr>
+          </a:p>
+          <a:p>
+            <a:pPr>
+              <a:buNone/>
+            </a:pPr>
+            <a:r>
+              <a:rPr lang="en-US" sz="1600" dirty="0" smtClean="0">
+                <a:latin typeface="Arial" pitchFamily="34" charset="0"/>
+                <a:cs typeface="Arial" pitchFamily="34" charset="0"/>
+              </a:rPr>
+              <a:t>forecasting</a:t>
+            </a:r>
+            <a:r>
+              <a:rPr lang="en-US" sz="1600" dirty="0" smtClean="0">
+                <a:latin typeface="Arial" pitchFamily="34" charset="0"/>
+                <a:cs typeface="Arial" pitchFamily="34" charset="0"/>
+              </a:rPr>
+              <a:t>, allowing businesses to predict inventory needs more accurately and avoid </a:t>
+            </a:r>
+            <a:endParaRPr lang="en-US" sz="1600" dirty="0" smtClean="0">
+              <a:latin typeface="Arial" pitchFamily="34" charset="0"/>
+              <a:cs typeface="Arial" pitchFamily="34" charset="0"/>
+            </a:endParaRPr>
+          </a:p>
+          <a:p>
+            <a:pPr>
+              <a:buNone/>
+            </a:pPr>
+            <a:r>
+              <a:rPr lang="en-US" sz="1600" dirty="0" smtClean="0">
+                <a:latin typeface="Arial" pitchFamily="34" charset="0"/>
+                <a:cs typeface="Arial" pitchFamily="34" charset="0"/>
+              </a:rPr>
+              <a:t>overstocking </a:t>
+            </a:r>
+            <a:r>
+              <a:rPr lang="en-US" sz="1600" dirty="0" smtClean="0">
+                <a:latin typeface="Arial" pitchFamily="34" charset="0"/>
+                <a:cs typeface="Arial" pitchFamily="34" charset="0"/>
+              </a:rPr>
+              <a:t>or </a:t>
+            </a:r>
+            <a:r>
+              <a:rPr lang="en-US" sz="1600" dirty="0" err="1" smtClean="0">
+                <a:latin typeface="Arial" pitchFamily="34" charset="0"/>
+                <a:cs typeface="Arial" pitchFamily="34" charset="0"/>
+              </a:rPr>
+              <a:t>understocking</a:t>
+            </a:r>
+            <a:r>
+              <a:rPr lang="en-US" sz="1600" dirty="0" smtClean="0">
+                <a:latin typeface="Arial" pitchFamily="34" charset="0"/>
+                <a:cs typeface="Arial" pitchFamily="34" charset="0"/>
+              </a:rPr>
+              <a:t>.</a:t>
+            </a:r>
+          </a:p>
+          <a:p>
+            <a:pPr>
+              <a:buNone/>
+            </a:pPr>
+            <a:endParaRPr lang="en-US" sz="1600" b="1" dirty="0" smtClean="0">
+              <a:latin typeface="Arial" pitchFamily="34" charset="0"/>
+              <a:cs typeface="Arial" pitchFamily="34" charset="0"/>
+            </a:endParaRPr>
+          </a:p>
+          <a:p>
+            <a:pPr>
+              <a:buNone/>
+            </a:pPr>
+            <a:r>
+              <a:rPr lang="en-US" sz="1600" b="1" dirty="0" smtClean="0">
+                <a:latin typeface="Arial" pitchFamily="34" charset="0"/>
+                <a:cs typeface="Arial" pitchFamily="34" charset="0"/>
+              </a:rPr>
+              <a:t>Increase </a:t>
+            </a:r>
+            <a:r>
+              <a:rPr lang="en-US" sz="1600" b="1" dirty="0" smtClean="0">
+                <a:latin typeface="Arial" pitchFamily="34" charset="0"/>
+                <a:cs typeface="Arial" pitchFamily="34" charset="0"/>
+              </a:rPr>
+              <a:t>Revenue and Reduce Costs</a:t>
+            </a:r>
+            <a:r>
+              <a:rPr lang="en-US" sz="1600" dirty="0" smtClean="0">
+                <a:latin typeface="Arial" pitchFamily="34" charset="0"/>
+                <a:cs typeface="Arial" pitchFamily="34" charset="0"/>
+              </a:rPr>
+              <a:t>: By optimizing stock levels and improving </a:t>
+            </a:r>
+            <a:endParaRPr lang="en-US" sz="1600" dirty="0" smtClean="0">
+              <a:latin typeface="Arial" pitchFamily="34" charset="0"/>
+              <a:cs typeface="Arial" pitchFamily="34" charset="0"/>
+            </a:endParaRPr>
+          </a:p>
+          <a:p>
+            <a:pPr>
+              <a:buNone/>
+            </a:pPr>
+            <a:r>
+              <a:rPr lang="en-US" sz="1600" dirty="0" smtClean="0">
+                <a:latin typeface="Arial" pitchFamily="34" charset="0"/>
+                <a:cs typeface="Arial" pitchFamily="34" charset="0"/>
+              </a:rPr>
+              <a:t>restocking </a:t>
+            </a:r>
+            <a:r>
+              <a:rPr lang="en-US" sz="1600" dirty="0" smtClean="0">
+                <a:latin typeface="Arial" pitchFamily="34" charset="0"/>
+                <a:cs typeface="Arial" pitchFamily="34" charset="0"/>
+              </a:rPr>
+              <a:t>strategies, the project aims to enhance revenue by ensuring high-demand </a:t>
+            </a:r>
+            <a:endParaRPr lang="en-US" sz="1600" dirty="0" smtClean="0">
+              <a:latin typeface="Arial" pitchFamily="34" charset="0"/>
+              <a:cs typeface="Arial" pitchFamily="34" charset="0"/>
+            </a:endParaRPr>
+          </a:p>
+          <a:p>
+            <a:pPr>
+              <a:buNone/>
+            </a:pPr>
+            <a:r>
+              <a:rPr lang="en-US" sz="1600" dirty="0" smtClean="0">
+                <a:latin typeface="Arial" pitchFamily="34" charset="0"/>
+                <a:cs typeface="Arial" pitchFamily="34" charset="0"/>
+              </a:rPr>
+              <a:t>products </a:t>
+            </a:r>
+            <a:r>
+              <a:rPr lang="en-US" sz="1600" dirty="0" smtClean="0">
+                <a:latin typeface="Arial" pitchFamily="34" charset="0"/>
+                <a:cs typeface="Arial" pitchFamily="34" charset="0"/>
+              </a:rPr>
+              <a:t>are always available while reducing costs associated with excessive inventory </a:t>
+            </a:r>
+            <a:endParaRPr lang="en-US" sz="1600" dirty="0" smtClean="0">
+              <a:latin typeface="Arial" pitchFamily="34" charset="0"/>
+              <a:cs typeface="Arial" pitchFamily="34" charset="0"/>
+            </a:endParaRPr>
+          </a:p>
+          <a:p>
+            <a:pPr>
+              <a:buNone/>
+            </a:pPr>
+            <a:r>
+              <a:rPr lang="en-US" sz="1600" dirty="0" smtClean="0">
+                <a:latin typeface="Arial" pitchFamily="34" charset="0"/>
+                <a:cs typeface="Arial" pitchFamily="34" charset="0"/>
+              </a:rPr>
+              <a:t>and </a:t>
+            </a:r>
+            <a:r>
+              <a:rPr lang="en-US" sz="1600" dirty="0" smtClean="0">
+                <a:latin typeface="Arial" pitchFamily="34" charset="0"/>
+                <a:cs typeface="Arial" pitchFamily="34" charset="0"/>
+              </a:rPr>
+              <a:t>storage.</a:t>
+            </a:r>
+          </a:p>
+          <a:p>
+            <a:pPr>
+              <a:buNone/>
+            </a:pPr>
+            <a:r>
+              <a:rPr lang="en-US" sz="1600" dirty="0" smtClean="0">
+                <a:latin typeface="Arial" pitchFamily="34" charset="0"/>
+                <a:cs typeface="Arial" pitchFamily="34" charset="0"/>
+              </a:rPr>
+              <a:t>In essence, the project helps businesses streamline their inventory management </a:t>
+            </a:r>
+            <a:endParaRPr lang="en-US" sz="1600" dirty="0" smtClean="0">
+              <a:latin typeface="Arial" pitchFamily="34" charset="0"/>
+              <a:cs typeface="Arial" pitchFamily="34" charset="0"/>
+            </a:endParaRPr>
+          </a:p>
+          <a:p>
+            <a:pPr>
+              <a:buNone/>
+            </a:pPr>
+            <a:r>
+              <a:rPr lang="en-US" sz="1600" dirty="0" smtClean="0">
+                <a:latin typeface="Arial" pitchFamily="34" charset="0"/>
+                <a:cs typeface="Arial" pitchFamily="34" charset="0"/>
+              </a:rPr>
+              <a:t>process</a:t>
+            </a:r>
+            <a:r>
+              <a:rPr lang="en-US" sz="1600" dirty="0" smtClean="0">
+                <a:latin typeface="Arial" pitchFamily="34" charset="0"/>
+                <a:cs typeface="Arial" pitchFamily="34" charset="0"/>
+              </a:rPr>
+              <a:t>, leading to cost savings, improved sales performance, and better overall </a:t>
+            </a:r>
+            <a:endParaRPr lang="en-US" sz="1600" dirty="0" smtClean="0">
+              <a:latin typeface="Arial" pitchFamily="34" charset="0"/>
+              <a:cs typeface="Arial" pitchFamily="34" charset="0"/>
+            </a:endParaRPr>
+          </a:p>
+          <a:p>
+            <a:pPr>
+              <a:buNone/>
+            </a:pPr>
+            <a:r>
+              <a:rPr lang="en-US" sz="1600" dirty="0" smtClean="0">
+                <a:latin typeface="Arial" pitchFamily="34" charset="0"/>
+                <a:cs typeface="Arial" pitchFamily="34" charset="0"/>
+              </a:rPr>
+              <a:t>operational </a:t>
+            </a:r>
+            <a:r>
+              <a:rPr lang="en-US" sz="1600" dirty="0" smtClean="0">
+                <a:latin typeface="Arial" pitchFamily="34" charset="0"/>
+                <a:cs typeface="Arial" pitchFamily="34" charset="0"/>
+              </a:rPr>
+              <a:t>efficiency.</a:t>
+            </a:r>
+          </a:p>
+          <a:p>
+            <a:endParaRPr lang="en-US" sz="1600" dirty="0"/>
           </a:p>
         </p:txBody>
       </p:sp>
@@ -5261,102 +5725,232 @@
       </p:grpSpPr>
       <p:sp>
         <p:nvSpPr>
-          <p:cNvPr id="2" name="Title 1"/>
-          <p:cNvSpPr>
-            <a:spLocks noGrp="1"/>
-          </p:cNvSpPr>
-          <p:nvPr>
-            <p:ph type="title"/>
-          </p:nvPr>
-        </p:nvSpPr>
-        <p:spPr>
-          <a:xfrm>
-            <a:off x="457200" y="274638"/>
-            <a:ext cx="8229600" cy="715962"/>
+          <p:cNvPr id="3" name="Content Placeholder 2"/>
+          <p:cNvSpPr>
+            <a:spLocks noGrp="1"/>
+          </p:cNvSpPr>
+          <p:nvPr>
+            <p:ph idx="1"/>
+          </p:nvPr>
+        </p:nvSpPr>
+        <p:spPr>
+          <a:xfrm>
+            <a:off x="228600" y="228600"/>
+            <a:ext cx="8458200" cy="6248400"/>
           </a:xfrm>
         </p:spPr>
         <p:txBody>
           <a:bodyPr>
-            <a:normAutofit fontScale="90000"/>
+            <a:normAutofit fontScale="92500" lnSpcReduction="10000"/>
           </a:bodyPr>
           <a:lstStyle/>
           <a:p>
-            <a:pPr algn="l">
+            <a:pPr>
+              <a:buNone/>
+            </a:pPr>
+            <a:r>
+              <a:rPr lang="en-US" dirty="0" smtClean="0">
+                <a:latin typeface="Arial Black" pitchFamily="34" charset="0"/>
+              </a:rPr>
+              <a:t>Objectives</a:t>
+            </a:r>
+          </a:p>
+          <a:p>
+            <a:pPr>
+              <a:buNone/>
+            </a:pPr>
+            <a:endParaRPr lang="en-US" sz="2400" dirty="0" smtClean="0">
+              <a:latin typeface="Arial Black" pitchFamily="34" charset="0"/>
+            </a:endParaRPr>
+          </a:p>
+          <a:p>
+            <a:pPr>
               <a:buFont typeface="Wingdings" pitchFamily="2" charset="2"/>
               <a:buChar char="Ø"/>
             </a:pPr>
             <a:r>
-              <a:rPr lang="en-US" sz="2200" dirty="0" smtClean="0">
-                <a:latin typeface="Arial" pitchFamily="34" charset="0"/>
-                <a:cs typeface="Arial" pitchFamily="34" charset="0"/>
-              </a:rPr>
-              <a:t> Category-Wise Inventory Summary</a:t>
-            </a:r>
-            <a:r>
-              <a:rPr lang="en-US" dirty="0" smtClean="0">
-                <a:latin typeface="Arial" pitchFamily="34" charset="0"/>
-                <a:cs typeface="Arial" pitchFamily="34" charset="0"/>
-              </a:rPr>
-              <a:t/>
-            </a:r>
-            <a:br>
-              <a:rPr lang="en-US" dirty="0" smtClean="0">
-                <a:latin typeface="Arial" pitchFamily="34" charset="0"/>
-                <a:cs typeface="Arial" pitchFamily="34" charset="0"/>
-              </a:rPr>
-            </a:br>
-            <a:endParaRPr lang="en-US" dirty="0"/>
-          </a:p>
-        </p:txBody>
-      </p:sp>
-      <p:pic>
-        <p:nvPicPr>
-          <p:cNvPr id="4" name="Picture 3" descr="1q.PNG"/>
-          <p:cNvPicPr>
-            <a:picLocks noChangeAspect="1"/>
-          </p:cNvPicPr>
-          <p:nvPr/>
-        </p:nvPicPr>
-        <p:blipFill>
-          <a:blip r:embed="rId2"/>
-          <a:stretch>
-            <a:fillRect/>
-          </a:stretch>
-        </p:blipFill>
-        <p:spPr>
-          <a:xfrm>
-            <a:off x="990600" y="914400"/>
-            <a:ext cx="4359897" cy="1905000"/>
-          </a:xfrm>
-          <a:prstGeom prst="rect">
-            <a:avLst/>
-          </a:prstGeom>
-        </p:spPr>
-      </p:pic>
-      <p:pic>
-        <p:nvPicPr>
-          <p:cNvPr id="5" name="Picture 4" descr="1r.PNG"/>
-          <p:cNvPicPr>
-            <a:picLocks noChangeAspect="1"/>
-          </p:cNvPicPr>
-          <p:nvPr/>
-        </p:nvPicPr>
-        <p:blipFill>
-          <a:blip r:embed="rId3"/>
-          <a:stretch>
-            <a:fillRect/>
-          </a:stretch>
-        </p:blipFill>
-        <p:spPr>
-          <a:xfrm>
-            <a:off x="990600" y="3200400"/>
-            <a:ext cx="4191000" cy="1400433"/>
-          </a:xfrm>
-          <a:prstGeom prst="rect">
-            <a:avLst/>
-          </a:prstGeom>
-        </p:spPr>
-      </p:pic>
+              <a:rPr lang="en-US" sz="2400" dirty="0" smtClean="0">
+                <a:latin typeface="Arial" pitchFamily="34" charset="0"/>
+                <a:cs typeface="Arial" pitchFamily="34" charset="0"/>
+              </a:rPr>
+              <a:t>Category-Wise Inventory Summary</a:t>
+            </a:r>
+          </a:p>
+          <a:p>
+            <a:pPr>
+              <a:buFont typeface="Wingdings" pitchFamily="2" charset="2"/>
+              <a:buChar char="Ø"/>
+            </a:pPr>
+            <a:r>
+              <a:rPr lang="en-US" sz="2400" dirty="0" smtClean="0">
+                <a:latin typeface="Arial" pitchFamily="34" charset="0"/>
+                <a:cs typeface="Arial" pitchFamily="34" charset="0"/>
+              </a:rPr>
+              <a:t>Category-Wise Inventory to sale ratio</a:t>
+            </a:r>
+          </a:p>
+          <a:p>
+            <a:pPr>
+              <a:buFont typeface="Wingdings" pitchFamily="2" charset="2"/>
+              <a:buChar char="Ø"/>
+            </a:pPr>
+            <a:r>
+              <a:rPr lang="en-US" sz="2400" dirty="0" smtClean="0">
+                <a:latin typeface="Arial" pitchFamily="34" charset="0"/>
+                <a:cs typeface="Arial" pitchFamily="34" charset="0"/>
+              </a:rPr>
+              <a:t>Regional Inventory Insights</a:t>
+            </a:r>
+          </a:p>
+          <a:p>
+            <a:pPr>
+              <a:buFont typeface="Wingdings" pitchFamily="2" charset="2"/>
+              <a:buChar char="Ø"/>
+            </a:pPr>
+            <a:r>
+              <a:rPr lang="en-US" sz="2400" dirty="0" smtClean="0">
+                <a:latin typeface="Arial" pitchFamily="34" charset="0"/>
+                <a:cs typeface="Arial" pitchFamily="34" charset="0"/>
+              </a:rPr>
+              <a:t>Monthly sales trends</a:t>
+            </a:r>
+          </a:p>
+          <a:p>
+            <a:pPr>
+              <a:buFont typeface="Wingdings" pitchFamily="2" charset="2"/>
+              <a:buChar char="Ø"/>
+            </a:pPr>
+            <a:r>
+              <a:rPr lang="en-US" sz="2400" dirty="0" smtClean="0">
+                <a:latin typeface="Arial" pitchFamily="34" charset="0"/>
+                <a:cs typeface="Arial" pitchFamily="34" charset="0"/>
+              </a:rPr>
+              <a:t>Identify Fast-Moving Products</a:t>
+            </a:r>
+          </a:p>
+          <a:p>
+            <a:pPr>
+              <a:buFont typeface="Wingdings" pitchFamily="2" charset="2"/>
+              <a:buChar char="Ø"/>
+            </a:pPr>
+            <a:r>
+              <a:rPr lang="en-US" sz="2400" dirty="0" smtClean="0">
+                <a:latin typeface="Arial" pitchFamily="34" charset="0"/>
+                <a:cs typeface="Arial" pitchFamily="34" charset="0"/>
+              </a:rPr>
+              <a:t>Identify Slow-Moving Products</a:t>
+            </a:r>
+          </a:p>
+          <a:p>
+            <a:pPr>
+              <a:buFont typeface="Wingdings" pitchFamily="2" charset="2"/>
+              <a:buChar char="Ø"/>
+            </a:pPr>
+            <a:r>
+              <a:rPr lang="en-US" sz="2400" dirty="0" smtClean="0">
+                <a:latin typeface="Arial" pitchFamily="34" charset="0"/>
+                <a:cs typeface="Arial" pitchFamily="34" charset="0"/>
+              </a:rPr>
+              <a:t>Overstock Analysis</a:t>
+            </a:r>
+          </a:p>
+          <a:p>
+            <a:pPr>
+              <a:buFont typeface="Wingdings" pitchFamily="2" charset="2"/>
+              <a:buChar char="Ø"/>
+            </a:pPr>
+            <a:r>
+              <a:rPr lang="en-US" sz="2400" dirty="0" smtClean="0">
+                <a:latin typeface="Arial" pitchFamily="34" charset="0"/>
+                <a:cs typeface="Arial" pitchFamily="34" charset="0"/>
+              </a:rPr>
+              <a:t>Stock out Risk Analysis</a:t>
+            </a:r>
+          </a:p>
+          <a:p>
+            <a:pPr>
+              <a:buFont typeface="Wingdings" pitchFamily="2" charset="2"/>
+              <a:buChar char="Ø"/>
+            </a:pPr>
+            <a:r>
+              <a:rPr lang="en-US" sz="2400" dirty="0" smtClean="0">
+                <a:latin typeface="Arial" pitchFamily="34" charset="0"/>
+                <a:cs typeface="Arial" pitchFamily="34" charset="0"/>
+              </a:rPr>
+              <a:t>Seasonal Trends</a:t>
+            </a:r>
+          </a:p>
+          <a:p>
+            <a:pPr>
+              <a:buFont typeface="Wingdings" pitchFamily="2" charset="2"/>
+              <a:buChar char="Ø"/>
+            </a:pPr>
+            <a:r>
+              <a:rPr lang="en-US" sz="2400" dirty="0" smtClean="0">
+                <a:latin typeface="Arial" pitchFamily="34" charset="0"/>
+                <a:cs typeface="Arial" pitchFamily="34" charset="0"/>
+              </a:rPr>
+              <a:t>Holiday/Promotion Impact</a:t>
+            </a:r>
+          </a:p>
+          <a:p>
+            <a:pPr>
+              <a:buFont typeface="Wingdings" pitchFamily="2" charset="2"/>
+              <a:buChar char="Ø"/>
+            </a:pPr>
+            <a:r>
+              <a:rPr lang="en-US" sz="2400" dirty="0" smtClean="0">
+                <a:latin typeface="Arial" pitchFamily="34" charset="0"/>
+                <a:cs typeface="Arial" pitchFamily="34" charset="0"/>
+              </a:rPr>
+              <a:t>Weather Condition Analysis</a:t>
+            </a:r>
+          </a:p>
+          <a:p>
+            <a:pPr>
+              <a:buFont typeface="Wingdings" pitchFamily="2" charset="2"/>
+              <a:buChar char="Ø"/>
+            </a:pPr>
+            <a:r>
+              <a:rPr lang="en-US" sz="2400" dirty="0" smtClean="0">
+                <a:latin typeface="Arial" pitchFamily="34" charset="0"/>
+                <a:cs typeface="Arial" pitchFamily="34" charset="0"/>
+              </a:rPr>
+              <a:t>Competitor Price Analysis</a:t>
+            </a:r>
+          </a:p>
+          <a:p>
+            <a:pPr>
+              <a:buFont typeface="Wingdings" pitchFamily="2" charset="2"/>
+              <a:buChar char="Ø"/>
+            </a:pPr>
+            <a:r>
+              <a:rPr lang="en-US" sz="2400" dirty="0" smtClean="0">
+                <a:latin typeface="Arial" pitchFamily="34" charset="0"/>
+                <a:cs typeface="Arial" pitchFamily="34" charset="0"/>
+              </a:rPr>
+              <a:t>Discount Effectiveness</a:t>
+            </a:r>
+          </a:p>
+          <a:p>
+            <a:pPr>
+              <a:buFont typeface="Wingdings" pitchFamily="2" charset="2"/>
+              <a:buChar char="Ø"/>
+            </a:pPr>
+            <a:r>
+              <a:rPr lang="en-US" sz="2400" dirty="0" smtClean="0">
+                <a:latin typeface="Arial" pitchFamily="34" charset="0"/>
+                <a:cs typeface="Arial" pitchFamily="34" charset="0"/>
+              </a:rPr>
+              <a:t>Total Revenue by Category</a:t>
+            </a:r>
+            <a:endParaRPr lang="en-US" sz="2400" dirty="0">
+              <a:latin typeface="Arial" pitchFamily="34" charset="0"/>
+              <a:cs typeface="Arial" pitchFamily="34" charset="0"/>
+            </a:endParaRPr>
+          </a:p>
+        </p:txBody>
+      </p:sp>
     </p:spTree>
   </p:cSld>
   <p:clrMapOvr>
@@ -5399,10 +5993,15 @@
             <p:ph type="title"/>
           </p:nvPr>
         </p:nvSpPr>
-        <p:spPr/>
+        <p:spPr>
+          <a:xfrm>
+            <a:off x="457200" y="274638"/>
+            <a:ext cx="8229600" cy="715962"/>
+          </a:xfrm>
+        </p:spPr>
         <p:txBody>
           <a:bodyPr>
-            <a:normAutofit/>
+            <a:normAutofit fontScale="90000"/>
           </a:bodyPr>
           <a:lstStyle/>
           <a:p>
@@ -5415,21 +6014,7 @@
                 <a:latin typeface="Arial" pitchFamily="34" charset="0"/>
                 <a:cs typeface="Arial" pitchFamily="34" charset="0"/>
               </a:rPr>
-              <a:t> </a:t>
-            </a:r>
-            <a:r>
-              <a:rPr lang="en-US" sz="2000" dirty="0" smtClean="0">
-                <a:latin typeface="Arial" pitchFamily="34" charset="0"/>
-                <a:cs typeface="Arial" pitchFamily="34" charset="0"/>
-              </a:rPr>
-              <a:t>Category-Wise</a:t>
-            </a:r>
-            <a:r>
-              <a:rPr lang="en-US" sz="2200" dirty="0" smtClean="0">
-                <a:latin typeface="Arial" pitchFamily="34" charset="0"/>
-                <a:cs typeface="Arial" pitchFamily="34" charset="0"/>
-              </a:rPr>
-              <a:t> Inventory to sale ratio</a:t>
+              <a:t> Category-Wise Inventory Summary</a:t>
             </a:r>
             <a:r>
               <a:rPr lang="en-US" dirty="0" smtClean="0">
@@ -5450,13 +6035,11 @@
       </p:sp>
       <p:pic>
         <p:nvPicPr>
-          <p:cNvPr id="4" name="Content Placeholder 3" descr="2q.PNG"/>
+          <p:cNvPr id="4" name="Picture 3" descr="1q.PNG"/>
           <p:cNvPicPr>
-            <a:picLocks noGrp="1" noChangeAspect="1"/>
+            <a:picLocks noChangeAspect="1"/>
           </p:cNvPicPr>
-          <p:nvPr>
-            <p:ph idx="1"/>
-          </p:nvPr>
+          <p:nvPr/>
         </p:nvPicPr>
         <p:blipFill>
           <a:blip r:embed="rId2"/>
@@ -5466,14 +6049,17 @@
         </p:blipFill>
         <p:spPr>
           <a:xfrm>
-            <a:off x="685800" y="838200"/>
-            <a:ext cx="5334000" cy="2450756"/>
-          </a:xfrm>
+            <a:off x="990600" y="914400"/>
+            <a:ext cx="4359897" cy="1905000"/>
+          </a:xfrm>
+          <a:prstGeom prst="rect">
+            <a:avLst/>
+          </a:prstGeom>
         </p:spPr>
       </p:pic>
       <p:pic>
         <p:nvPicPr>
-          <p:cNvPr id="5" name="Picture 4" descr="2r.PNG"/>
+          <p:cNvPr id="5" name="Picture 4" descr="1r.PNG"/>
           <p:cNvPicPr>
             <a:picLocks noChangeAspect="1"/>
           </p:cNvPicPr>
@@ -5487,60 +6073,14 @@
         </p:blipFill>
         <p:spPr>
           <a:xfrm>
-            <a:off x="762000" y="3581400"/>
-            <a:ext cx="4688224" cy="1287872"/>
+            <a:off x="990600" y="3200400"/>
+            <a:ext cx="4191000" cy="1400433"/>
           </a:xfrm>
           <a:prstGeom prst="rect">
             <a:avLst/>
           </a:prstGeom>
         </p:spPr>
       </p:pic>
-      <p:sp>
-        <p:nvSpPr>
-          <p:cNvPr id="6" name="TextBox 5"/>
-          <p:cNvSpPr txBox="1"/>
-          <p:nvPr/>
-        </p:nvSpPr>
-        <p:spPr>
-          <a:xfrm>
-            <a:off x="609600" y="5029200"/>
-            <a:ext cx="7162800" cy="1323439"/>
-          </a:xfrm>
-          <a:prstGeom prst="rect">
-            <a:avLst/>
-          </a:prstGeom>
-          <a:noFill/>
-        </p:spPr>
-        <p:txBody>
-          <a:bodyPr wrap="square" rtlCol="0">
-            <a:spAutoFit/>
-          </a:bodyPr>
-          <a:lstStyle/>
-          <a:p>
-            <a:r>
-              <a:rPr lang="en-US" sz="1600" dirty="0" smtClean="0"/>
-              <a:t>Reducing the inventory-to-sales ratio from </a:t>
-            </a:r>
-            <a:r>
-              <a:rPr lang="en-US" sz="1600" b="1" dirty="0" smtClean="0"/>
-              <a:t>2 to 1.6</a:t>
-            </a:r>
-            <a:r>
-              <a:rPr lang="en-US" sz="1600" dirty="0" smtClean="0"/>
-              <a:t> represents a </a:t>
-            </a:r>
-            <a:r>
-              <a:rPr lang="en-US" sz="1600" b="1" dirty="0" smtClean="0"/>
-              <a:t>20% reduction</a:t>
-            </a:r>
-            <a:r>
-              <a:rPr lang="en-US" sz="1600" dirty="0" smtClean="0"/>
-              <a:t>, improving inventory efficiency while maintaining alignment with sales demand. This reduction minimizes holding costs, optimizes cash flow, and reduces the risk of overstock. It's a strategic move to balance cost savings with customer demand fulfillment.</a:t>
-            </a:r>
-            <a:endParaRPr lang="en-US" sz="1600" dirty="0"/>
-          </a:p>
-        </p:txBody>
-      </p:sp>
     </p:spTree>
   </p:cSld>
   <p:clrMapOvr>
@@ -5595,93 +6135,52 @@
               <a:buChar char="Ø"/>
             </a:pPr>
             <a:r>
+              <a:rPr lang="en-US" sz="2200" dirty="0" smtClean="0">
+                <a:latin typeface="Arial" pitchFamily="34" charset="0"/>
+                <a:cs typeface="Arial" pitchFamily="34" charset="0"/>
+              </a:rPr>
+              <a:t> </a:t>
+            </a:r>
+            <a:r>
               <a:rPr lang="en-US" sz="2000" dirty="0" smtClean="0">
                 <a:latin typeface="Arial" pitchFamily="34" charset="0"/>
                 <a:cs typeface="Arial" pitchFamily="34" charset="0"/>
               </a:rPr>
-              <a:t> Regional Inventory Insights</a:t>
+              <a:t>Category-Wise</a:t>
+            </a:r>
+            <a:r>
+              <a:rPr lang="en-US" sz="2200" dirty="0" smtClean="0">
+                <a:latin typeface="Arial" pitchFamily="34" charset="0"/>
+                <a:cs typeface="Arial" pitchFamily="34" charset="0"/>
+              </a:rPr>
+              <a:t> Inventory to sale ratio</a:t>
+            </a:r>
+            <a:r>
+              <a:rPr lang="en-US" dirty="0" smtClean="0">
+                <a:latin typeface="Arial" pitchFamily="34" charset="0"/>
+                <a:cs typeface="Arial" pitchFamily="34" charset="0"/>
+              </a:rPr>
+              <a:t/>
             </a:r>
             <a:br>
-              <a:rPr lang="en-US" sz="2000" dirty="0" smtClean="0">
+              <a:rPr lang="en-US" dirty="0" smtClean="0">
                 <a:latin typeface="Arial" pitchFamily="34" charset="0"/>
                 <a:cs typeface="Arial" pitchFamily="34" charset="0"/>
               </a:rPr>
             </a:br>
-            <a:endParaRPr lang="en-US" sz="2000" dirty="0">
-              <a:latin typeface="Arial" pitchFamily="34" charset="0"/>
-              <a:cs typeface="Arial" pitchFamily="34" charset="0"/>
-            </a:endParaRPr>
-          </a:p>
-        </p:txBody>
-      </p:sp>
-      <p:sp>
-        <p:nvSpPr>
-          <p:cNvPr id="6" name="TextBox 5"/>
-          <p:cNvSpPr txBox="1"/>
-          <p:nvPr/>
-        </p:nvSpPr>
-        <p:spPr>
-          <a:xfrm>
-            <a:off x="457200" y="5029200"/>
-            <a:ext cx="7620000" cy="1323439"/>
-          </a:xfrm>
-          <a:prstGeom prst="rect">
-            <a:avLst/>
-          </a:prstGeom>
-          <a:noFill/>
-        </p:spPr>
-        <p:txBody>
-          <a:bodyPr wrap="square" rtlCol="0">
-            <a:spAutoFit/>
-          </a:bodyPr>
-          <a:lstStyle/>
-          <a:p>
-            <a:pPr>
-              <a:buFont typeface="Arial" pitchFamily="34" charset="0"/>
-              <a:buChar char="•"/>
-            </a:pPr>
-            <a:r>
-              <a:rPr lang="en-US" sz="1600" dirty="0" smtClean="0"/>
-              <a:t> The number of total products and units sold is very similar across all regions, suggesting </a:t>
-            </a:r>
-            <a:r>
-              <a:rPr lang="en-US" sz="1600" dirty="0" smtClean="0"/>
-              <a:t>  a </a:t>
-            </a:r>
-            <a:r>
-              <a:rPr lang="en-US" sz="1600" dirty="0" smtClean="0"/>
-              <a:t>balanced distribution of demand and supply.</a:t>
-            </a:r>
-            <a:endParaRPr lang="en-US" sz="1600" dirty="0" smtClean="0"/>
-          </a:p>
-          <a:p>
-            <a:pPr>
-              <a:buFont typeface="Arial" pitchFamily="34" charset="0"/>
-              <a:buChar char="•"/>
-            </a:pPr>
-            <a:r>
-              <a:rPr lang="en-US" sz="1600" dirty="0" smtClean="0"/>
-              <a:t> The </a:t>
-            </a:r>
-            <a:r>
-              <a:rPr lang="en-US" sz="1600" b="1" dirty="0" smtClean="0"/>
-              <a:t>East region</a:t>
-            </a:r>
-            <a:r>
-              <a:rPr lang="en-US" sz="1600" dirty="0" smtClean="0"/>
-              <a:t> holds the highest inventory level (5,051,345) despite having similar total products and units sold as the other regions. This could indicate overstocking or slower inventory turnover in the East.</a:t>
-            </a:r>
-            <a:endParaRPr lang="en-US" sz="1600" dirty="0"/>
+            <a:endParaRPr lang="en-US" dirty="0"/>
           </a:p>
         </p:txBody>
       </p:sp>
       <p:pic>
         <p:nvPicPr>
-          <p:cNvPr id="9" name="Picture 8" descr="32.PNG"/>
+          <p:cNvPr id="4" name="Content Placeholder 3" descr="2q.PNG"/>
           <p:cNvPicPr>
-            <a:picLocks noChangeAspect="1"/>
+            <a:picLocks noGrp="1" noChangeAspect="1"/>
           </p:cNvPicPr>
-          <p:nvPr/>
+          <p:nvPr>
+            <p:ph idx="1"/>
+          </p:nvPr>
         </p:nvPicPr>
         <p:blipFill>
           <a:blip r:embed="rId2"/>
@@ -5691,17 +6190,14 @@
         </p:blipFill>
         <p:spPr>
           <a:xfrm>
-            <a:off x="609600" y="1066800"/>
-            <a:ext cx="4691744" cy="1981200"/>
-          </a:xfrm>
-          <a:prstGeom prst="rect">
-            <a:avLst/>
-          </a:prstGeom>
+            <a:off x="685800" y="838200"/>
+            <a:ext cx="5334000" cy="2450756"/>
+          </a:xfrm>
         </p:spPr>
       </p:pic>
       <p:pic>
         <p:nvPicPr>
-          <p:cNvPr id="10" name="Picture 9" descr="33.PNG"/>
+          <p:cNvPr id="5" name="Picture 4" descr="2r.PNG"/>
           <p:cNvPicPr>
             <a:picLocks noChangeAspect="1"/>
           </p:cNvPicPr>
@@ -5715,14 +6211,60 @@
         </p:blipFill>
         <p:spPr>
           <a:xfrm>
-            <a:off x="533399" y="3429000"/>
-            <a:ext cx="4046481" cy="1219200"/>
+            <a:off x="762000" y="3581400"/>
+            <a:ext cx="4688224" cy="1287872"/>
           </a:xfrm>
           <a:prstGeom prst="rect">
             <a:avLst/>
           </a:prstGeom>
         </p:spPr>
       </p:pic>
+      <p:sp>
+        <p:nvSpPr>
+          <p:cNvPr id="6" name="TextBox 5"/>
+          <p:cNvSpPr txBox="1"/>
+          <p:nvPr/>
+        </p:nvSpPr>
+        <p:spPr>
+          <a:xfrm>
+            <a:off x="609600" y="5029200"/>
+            <a:ext cx="7162800" cy="1323439"/>
+          </a:xfrm>
+          <a:prstGeom prst="rect">
+            <a:avLst/>
+          </a:prstGeom>
+          <a:noFill/>
+        </p:spPr>
+        <p:txBody>
+          <a:bodyPr wrap="square" rtlCol="0">
+            <a:spAutoFit/>
+          </a:bodyPr>
+          <a:lstStyle/>
+          <a:p>
+            <a:r>
+              <a:rPr lang="en-US" sz="1600" dirty="0" smtClean="0"/>
+              <a:t>Reducing the inventory-to-sales ratio from </a:t>
+            </a:r>
+            <a:r>
+              <a:rPr lang="en-US" sz="1600" b="1" dirty="0" smtClean="0"/>
+              <a:t>2 to 1.6</a:t>
+            </a:r>
+            <a:r>
+              <a:rPr lang="en-US" sz="1600" dirty="0" smtClean="0"/>
+              <a:t> represents a </a:t>
+            </a:r>
+            <a:r>
+              <a:rPr lang="en-US" sz="1600" b="1" dirty="0" smtClean="0"/>
+              <a:t>20% reduction</a:t>
+            </a:r>
+            <a:r>
+              <a:rPr lang="en-US" sz="1600" dirty="0" smtClean="0"/>
+              <a:t>, improving inventory efficiency while maintaining alignment with sales demand. This reduction minimizes holding costs, optimizes cash flow, and reduces the risk of overstock. It's a strategic move to balance cost savings with customer demand fulfillment.</a:t>
+            </a:r>
+            <a:endParaRPr lang="en-US" sz="1600" dirty="0"/>
+          </a:p>
+        </p:txBody>
+      </p:sp>
     </p:spTree>
   </p:cSld>
   <p:clrMapOvr>
@@ -5765,12 +6307,7 @@
             <p:ph type="title"/>
           </p:nvPr>
         </p:nvSpPr>
-        <p:spPr>
-          <a:xfrm>
-            <a:off x="457200" y="274638"/>
-            <a:ext cx="8229600" cy="792162"/>
-          </a:xfrm>
-        </p:spPr>
+        <p:spPr/>
         <p:txBody>
           <a:bodyPr>
             <a:normAutofit/>
@@ -5786,7 +6323,7 @@
                 <a:latin typeface="Arial" pitchFamily="34" charset="0"/>
                 <a:cs typeface="Arial" pitchFamily="34" charset="0"/>
               </a:rPr>
-              <a:t> Monthly sales trends</a:t>
+              <a:t> Regional Inventory Insights</a:t>
             </a:r>
             <a:br>
               <a:rPr lang="en-US" sz="2000" dirty="0" smtClean="0">
@@ -5801,9 +6338,70 @@
           </a:p>
         </p:txBody>
       </p:sp>
+      <p:sp>
+        <p:nvSpPr>
+          <p:cNvPr id="6" name="TextBox 5"/>
+          <p:cNvSpPr txBox="1"/>
+          <p:nvPr/>
+        </p:nvSpPr>
+        <p:spPr>
+          <a:xfrm>
+            <a:off x="457200" y="5029200"/>
+            <a:ext cx="7620000" cy="1323439"/>
+          </a:xfrm>
+          <a:prstGeom prst="rect">
+            <a:avLst/>
+          </a:prstGeom>
+          <a:noFill/>
+        </p:spPr>
+        <p:txBody>
+          <a:bodyPr wrap="square" rtlCol="0">
+            <a:spAutoFit/>
+          </a:bodyPr>
+          <a:lstStyle/>
+          <a:p>
+            <a:pPr>
+              <a:buFont typeface="Arial" pitchFamily="34" charset="0"/>
+              <a:buChar char="•"/>
+            </a:pPr>
+            <a:r>
+              <a:rPr lang="en-US" sz="1600" dirty="0" smtClean="0"/>
+              <a:t> The number of total products and units sold is very similar across all regions, suggesting </a:t>
+            </a:r>
+            <a:r>
+              <a:rPr lang="en-US" sz="1600" dirty="0" smtClean="0"/>
+              <a:t>  a </a:t>
+            </a:r>
+            <a:r>
+              <a:rPr lang="en-US" sz="1600" dirty="0" smtClean="0"/>
+              <a:t>balanced distribution of demand and supply.</a:t>
+            </a:r>
+            <a:endParaRPr lang="en-US" sz="1600" dirty="0" smtClean="0"/>
+          </a:p>
+          <a:p>
+            <a:pPr>
+              <a:buFont typeface="Arial" pitchFamily="34" charset="0"/>
+              <a:buChar char="•"/>
+            </a:pPr>
+            <a:r>
+              <a:rPr lang="en-US" sz="1600" dirty="0" smtClean="0"/>
+              <a:t> The </a:t>
+            </a:r>
+            <a:r>
+              <a:rPr lang="en-US" sz="1600" b="1" dirty="0" smtClean="0"/>
+              <a:t>East region</a:t>
+            </a:r>
+            <a:r>
+              <a:rPr lang="en-US" sz="1600" dirty="0" smtClean="0"/>
+              <a:t> holds the highest inventory level (5,051,345) despite having similar total products and units sold as the other regions. This could indicate overstocking or slower inventory turnover in the East.</a:t>
+            </a:r>
+            <a:endParaRPr lang="en-US" sz="1600" dirty="0"/>
+          </a:p>
+        </p:txBody>
+      </p:sp>
       <p:pic>
         <p:nvPicPr>
-          <p:cNvPr id="4" name="Picture 3" descr="4q.PNG"/>
+          <p:cNvPr id="9" name="Picture 8" descr="32.PNG"/>
           <p:cNvPicPr>
             <a:picLocks noChangeAspect="1"/>
           </p:cNvPicPr>
@@ -5817,8 +6415,8 @@
         </p:blipFill>
         <p:spPr>
           <a:xfrm>
-            <a:off x="304800" y="838200"/>
-            <a:ext cx="4366487" cy="5410200"/>
+            <a:off x="609600" y="1066800"/>
+            <a:ext cx="4691744" cy="1981200"/>
           </a:xfrm>
           <a:prstGeom prst="rect">
             <a:avLst/>
@@ -5827,7 +6425,7 @@
       </p:pic>
       <p:pic>
         <p:nvPicPr>
-          <p:cNvPr id="5" name="Picture 4" descr="4r.PNG"/>
+          <p:cNvPr id="10" name="Picture 9" descr="33.PNG"/>
           <p:cNvPicPr>
             <a:picLocks noChangeAspect="1"/>
           </p:cNvPicPr>
@@ -5841,8 +6439,8 @@
         </p:blipFill>
         <p:spPr>
           <a:xfrm>
-            <a:off x="5029200" y="914400"/>
-            <a:ext cx="3848434" cy="5410200"/>
+            <a:off x="533399" y="3429000"/>
+            <a:ext cx="4046481" cy="1219200"/>
           </a:xfrm>
           <a:prstGeom prst="rect">
             <a:avLst/>
@@ -5891,7 +6489,12 @@
             <p:ph type="title"/>
           </p:nvPr>
         </p:nvSpPr>
-        <p:spPr/>
+        <p:spPr>
+          <a:xfrm>
+            <a:off x="457200" y="274638"/>
+            <a:ext cx="8229600" cy="792162"/>
+          </a:xfrm>
+        </p:spPr>
         <p:txBody>
           <a:bodyPr>
             <a:normAutofit/>
@@ -5907,196 +6510,69 @@
                 <a:latin typeface="Arial" pitchFamily="34" charset="0"/>
                 <a:cs typeface="Arial" pitchFamily="34" charset="0"/>
               </a:rPr>
-              <a:t> Monthly </a:t>
-            </a:r>
-            <a:r>
+              <a:t> Monthly sales trends</a:t>
+            </a:r>
+            <a:br>
               <a:rPr lang="en-US" sz="2000" dirty="0" smtClean="0">
                 <a:latin typeface="Arial" pitchFamily="34" charset="0"/>
                 <a:cs typeface="Arial" pitchFamily="34" charset="0"/>
               </a:rPr>
-              <a:t>sales trends</a:t>
-            </a:r>
-            <a:endParaRPr lang="en-US" sz="2000" dirty="0"/>
-          </a:p>
-        </p:txBody>
-      </p:sp>
-      <p:sp>
-        <p:nvSpPr>
-          <p:cNvPr id="3" name="TextBox 2"/>
-          <p:cNvSpPr txBox="1"/>
+            </a:br>
+            <a:endParaRPr lang="en-US" sz="2000" dirty="0">
+              <a:latin typeface="Arial" pitchFamily="34" charset="0"/>
+              <a:cs typeface="Arial" pitchFamily="34" charset="0"/>
+            </a:endParaRPr>
+          </a:p>
+        </p:txBody>
+      </p:sp>
+      <p:pic>
+        <p:nvPicPr>
+          <p:cNvPr id="4" name="Picture 3" descr="4q.PNG"/>
+          <p:cNvPicPr>
+            <a:picLocks noChangeAspect="1"/>
+          </p:cNvPicPr>
           <p:nvPr/>
-        </p:nvSpPr>
-        <p:spPr>
-          <a:xfrm>
-            <a:off x="228600" y="1371600"/>
-            <a:ext cx="8686800" cy="3077766"/>
+        </p:nvPicPr>
+        <p:blipFill>
+          <a:blip r:embed="rId2"/>
+          <a:stretch>
+            <a:fillRect/>
+          </a:stretch>
+        </p:blipFill>
+        <p:spPr>
+          <a:xfrm>
+            <a:off x="304800" y="838200"/>
+            <a:ext cx="4366487" cy="5410200"/>
           </a:xfrm>
           <a:prstGeom prst="rect">
             <a:avLst/>
           </a:prstGeom>
-          <a:noFill/>
-        </p:spPr>
-        <p:txBody>
-          <a:bodyPr wrap="square" rtlCol="0">
-            <a:spAutoFit/>
-          </a:bodyPr>
-          <a:lstStyle/>
-          <a:p>
-            <a:pPr>
-              <a:buFont typeface="Arial" pitchFamily="34" charset="0"/>
-              <a:buChar char="•"/>
-            </a:pPr>
-            <a:r>
-              <a:rPr lang="en-US" sz="1600" dirty="0" smtClean="0"/>
-              <a:t>  </a:t>
-            </a:r>
-            <a:r>
-              <a:rPr lang="en-US" sz="1600" b="1" dirty="0" smtClean="0"/>
-              <a:t>Volatility </a:t>
-            </a:r>
-            <a:r>
-              <a:rPr lang="en-US" sz="1600" b="1" dirty="0" smtClean="0"/>
-              <a:t>in Monthly Changes</a:t>
-            </a:r>
-            <a:r>
-              <a:rPr lang="en-US" sz="1600" dirty="0" smtClean="0"/>
-              <a:t>:</a:t>
-            </a:r>
-          </a:p>
-          <a:p>
-            <a:r>
-              <a:rPr lang="en-US" sz="1600" dirty="0" smtClean="0"/>
-              <a:t>   There </a:t>
-            </a:r>
-            <a:r>
-              <a:rPr lang="en-US" sz="1600" dirty="0" smtClean="0"/>
-              <a:t>are significant fluctuations in month-over-month percentage changes. For </a:t>
-            </a:r>
-            <a:r>
-              <a:rPr lang="en-US" sz="1600" dirty="0" smtClean="0"/>
-              <a:t> example:</a:t>
-            </a:r>
-          </a:p>
-          <a:p>
-            <a:pPr lvl="1"/>
-            <a:r>
-              <a:rPr lang="en-US" sz="1600" b="1" dirty="0" smtClean="0"/>
-              <a:t>February 2023</a:t>
-            </a:r>
-            <a:r>
-              <a:rPr lang="en-US" sz="1600" dirty="0" smtClean="0"/>
-              <a:t>: A sharp drop of </a:t>
-            </a:r>
-            <a:r>
-              <a:rPr lang="en-US" sz="1600" b="1" dirty="0" smtClean="0"/>
-              <a:t>-9.03%</a:t>
-            </a:r>
-            <a:r>
-              <a:rPr lang="en-US" sz="1600" dirty="0" smtClean="0"/>
-              <a:t>.</a:t>
-            </a:r>
-          </a:p>
-          <a:p>
-            <a:pPr lvl="1"/>
-            <a:r>
-              <a:rPr lang="en-US" sz="1600" b="1" dirty="0" smtClean="0"/>
-              <a:t>July 2023</a:t>
-            </a:r>
-            <a:r>
-              <a:rPr lang="en-US" sz="1600" dirty="0" smtClean="0"/>
-              <a:t>: A strong increase of </a:t>
-            </a:r>
-            <a:r>
-              <a:rPr lang="en-US" sz="1600" b="1" dirty="0" smtClean="0"/>
-              <a:t>7.96%</a:t>
-            </a:r>
-            <a:r>
-              <a:rPr lang="en-US" sz="1600" dirty="0" smtClean="0"/>
-              <a:t>.</a:t>
-            </a:r>
-          </a:p>
-          <a:p>
-            <a:pPr lvl="1"/>
-            <a:r>
-              <a:rPr lang="en-US" sz="1600" b="1" dirty="0" smtClean="0"/>
-              <a:t>January 2024</a:t>
-            </a:r>
-            <a:r>
-              <a:rPr lang="en-US" sz="1600" dirty="0" smtClean="0"/>
-              <a:t>: An extreme decline of </a:t>
-            </a:r>
-            <a:r>
-              <a:rPr lang="en-US" sz="1600" b="1" dirty="0" smtClean="0"/>
-              <a:t>-96.83%</a:t>
-            </a:r>
-            <a:r>
-              <a:rPr lang="en-US" sz="1600" dirty="0" smtClean="0"/>
-              <a:t>, indicating a potential anomaly or external factor (e.g., operational issues or reporting errors).</a:t>
-            </a:r>
-          </a:p>
-          <a:p>
-            <a:pPr lvl="1"/>
-            <a:endParaRPr lang="en-US" dirty="0" smtClean="0"/>
-          </a:p>
-          <a:p>
-            <a:pPr>
-              <a:buFont typeface="Arial" pitchFamily="34" charset="0"/>
-              <a:buChar char="•"/>
-            </a:pPr>
-            <a:r>
-              <a:rPr lang="en-US" sz="1600" dirty="0" smtClean="0"/>
-              <a:t> </a:t>
-            </a:r>
-            <a:r>
-              <a:rPr lang="en-US" sz="1600" dirty="0" smtClean="0"/>
-              <a:t>Despite the month-to-month fluctuations, the overall trend from </a:t>
-            </a:r>
-            <a:r>
-              <a:rPr lang="en-US" sz="1600" b="1" dirty="0" smtClean="0"/>
-              <a:t>2022 to late 2023</a:t>
-            </a:r>
-            <a:r>
-              <a:rPr lang="en-US" sz="1600" dirty="0" smtClean="0"/>
-              <a:t> appears relatively stable, with changes typically ranging between </a:t>
-            </a:r>
-            <a:r>
-              <a:rPr lang="en-US" sz="1600" b="1" dirty="0" smtClean="0"/>
-              <a:t>-5% and +8%</a:t>
-            </a:r>
-            <a:r>
-              <a:rPr lang="en-US" sz="1600" dirty="0" smtClean="0"/>
-              <a:t>, reflecting consistent demand and operations</a:t>
-            </a:r>
-            <a:r>
-              <a:rPr lang="en-US" sz="1600" dirty="0" smtClean="0"/>
-              <a:t>.</a:t>
-            </a:r>
-          </a:p>
-          <a:p>
-            <a:pPr>
-              <a:buFont typeface="Arial" pitchFamily="34" charset="0"/>
-              <a:buChar char="•"/>
-            </a:pPr>
-            <a:r>
-              <a:rPr lang="en-US" sz="1600" dirty="0" smtClean="0"/>
-              <a:t> </a:t>
-            </a:r>
-            <a:r>
-              <a:rPr lang="en-US" sz="1600" dirty="0" smtClean="0"/>
-              <a:t>The drastic drop in </a:t>
-            </a:r>
-            <a:r>
-              <a:rPr lang="en-US" sz="1600" b="1" dirty="0" smtClean="0"/>
-              <a:t>January 2024</a:t>
-            </a:r>
-            <a:r>
-              <a:rPr lang="en-US" sz="1600" dirty="0" smtClean="0"/>
-              <a:t> is highly unusual. It could indicate an operational disruption, a significant demand drop, or a data issue.</a:t>
-            </a:r>
-            <a:endParaRPr lang="en-US" sz="1600" dirty="0"/>
-          </a:p>
-        </p:txBody>
-      </p:sp>
+        </p:spPr>
+      </p:pic>
+      <p:pic>
+        <p:nvPicPr>
+          <p:cNvPr id="5" name="Picture 4" descr="4r.PNG"/>
+          <p:cNvPicPr>
+            <a:picLocks noChangeAspect="1"/>
+          </p:cNvPicPr>
+          <p:nvPr/>
+        </p:nvPicPr>
+        <p:blipFill>
+          <a:blip r:embed="rId3"/>
+          <a:stretch>
+            <a:fillRect/>
+          </a:stretch>
+        </p:blipFill>
+        <p:spPr>
+          <a:xfrm>
+            <a:off x="5029200" y="914400"/>
+            <a:ext cx="3848434" cy="5410200"/>
+          </a:xfrm>
+          <a:prstGeom prst="rect">
+            <a:avLst/>
+          </a:prstGeom>
+        </p:spPr>
+      </p:pic>
     </p:spTree>
   </p:cSld>
   <p:clrMapOvr>
@@ -6139,15 +6615,10 @@
             <p:ph type="title"/>
           </p:nvPr>
         </p:nvSpPr>
-        <p:spPr>
-          <a:xfrm>
-            <a:off x="457200" y="274638"/>
-            <a:ext cx="8229600" cy="715962"/>
-          </a:xfrm>
-        </p:spPr>
+        <p:spPr/>
         <p:txBody>
           <a:bodyPr>
-            <a:normAutofit fontScale="90000"/>
+            <a:normAutofit/>
           </a:bodyPr>
           <a:lstStyle/>
           <a:p>
@@ -6156,87 +6627,33 @@
               <a:buChar char="Ø"/>
             </a:pPr>
             <a:r>
-              <a:rPr lang="en-US" sz="2200" dirty="0" smtClean="0">
-                <a:latin typeface="Arial" pitchFamily="34" charset="0"/>
-                <a:cs typeface="Arial" pitchFamily="34" charset="0"/>
-              </a:rPr>
-              <a:t> Identify Fast-Moving Products</a:t>
-            </a:r>
-            <a:r>
-              <a:rPr lang="en-US" dirty="0" smtClean="0">
-                <a:latin typeface="Arial" pitchFamily="34" charset="0"/>
-                <a:cs typeface="Arial" pitchFamily="34" charset="0"/>
-              </a:rPr>
-              <a:t/>
-            </a:r>
-            <a:br>
-              <a:rPr lang="en-US" dirty="0" smtClean="0">
-                <a:latin typeface="Arial" pitchFamily="34" charset="0"/>
-                <a:cs typeface="Arial" pitchFamily="34" charset="0"/>
-              </a:rPr>
-            </a:br>
-            <a:endParaRPr lang="en-US" dirty="0"/>
-          </a:p>
-        </p:txBody>
-      </p:sp>
-      <p:pic>
-        <p:nvPicPr>
-          <p:cNvPr id="5" name="Picture 4" descr="5q.PNG"/>
-          <p:cNvPicPr>
-            <a:picLocks noChangeAspect="1"/>
-          </p:cNvPicPr>
-          <p:nvPr/>
-        </p:nvPicPr>
-        <p:blipFill>
-          <a:blip r:embed="rId2"/>
-          <a:stretch>
-            <a:fillRect/>
-          </a:stretch>
-        </p:blipFill>
-        <p:spPr>
-          <a:xfrm>
-            <a:off x="762000" y="838200"/>
-            <a:ext cx="2674852" cy="1546994"/>
-          </a:xfrm>
-          <a:prstGeom prst="rect">
-            <a:avLst/>
-          </a:prstGeom>
-        </p:spPr>
-      </p:pic>
-      <p:pic>
-        <p:nvPicPr>
-          <p:cNvPr id="6" name="Picture 5" descr="5r.PNG"/>
-          <p:cNvPicPr>
-            <a:picLocks noChangeAspect="1"/>
-          </p:cNvPicPr>
-          <p:nvPr/>
-        </p:nvPicPr>
-        <p:blipFill>
-          <a:blip r:embed="rId3"/>
-          <a:stretch>
-            <a:fillRect/>
-          </a:stretch>
-        </p:blipFill>
-        <p:spPr>
-          <a:xfrm>
-            <a:off x="685800" y="2667000"/>
-            <a:ext cx="2270957" cy="1920407"/>
-          </a:xfrm>
-          <a:prstGeom prst="rect">
-            <a:avLst/>
-          </a:prstGeom>
-        </p:spPr>
-      </p:pic>
-      <p:sp>
-        <p:nvSpPr>
-          <p:cNvPr id="7" name="TextBox 6"/>
+              <a:rPr lang="en-US" sz="2000" dirty="0" smtClean="0">
+                <a:latin typeface="Arial" pitchFamily="34" charset="0"/>
+                <a:cs typeface="Arial" pitchFamily="34" charset="0"/>
+              </a:rPr>
+              <a:t> Monthly </a:t>
+            </a:r>
+            <a:r>
+              <a:rPr lang="en-US" sz="2000" dirty="0" smtClean="0">
+                <a:latin typeface="Arial" pitchFamily="34" charset="0"/>
+                <a:cs typeface="Arial" pitchFamily="34" charset="0"/>
+              </a:rPr>
+              <a:t>sales trends</a:t>
+            </a:r>
+            <a:endParaRPr lang="en-US" sz="2000" dirty="0"/>
+          </a:p>
+        </p:txBody>
+      </p:sp>
+      <p:sp>
+        <p:nvSpPr>
+          <p:cNvPr id="3" name="TextBox 2"/>
           <p:cNvSpPr txBox="1"/>
           <p:nvPr/>
         </p:nvSpPr>
         <p:spPr>
           <a:xfrm>
-            <a:off x="381001" y="4953000"/>
-            <a:ext cx="8077200" cy="1077218"/>
+            <a:off x="228600" y="1371600"/>
+            <a:ext cx="8686800" cy="3077766"/>
           </a:xfrm>
           <a:prstGeom prst="rect">
             <a:avLst/>
@@ -6249,49 +6666,156 @@
           </a:bodyPr>
           <a:lstStyle/>
           <a:p>
-            <a:r>
-              <a:rPr lang="en-US" sz="1600" dirty="0" smtClean="0"/>
-              <a:t>The fast-moving products are primarily from categories like </a:t>
+            <a:pPr>
+              <a:buFont typeface="Arial" pitchFamily="34" charset="0"/>
+              <a:buChar char="•"/>
+            </a:pPr>
+            <a:r>
+              <a:rPr lang="en-US" sz="1600" dirty="0" smtClean="0"/>
+              <a:t>  </a:t>
             </a:r>
             <a:r>
               <a:rPr lang="en-US" sz="1600" b="1" dirty="0" smtClean="0"/>
-              <a:t>Toys</a:t>
-            </a:r>
-            <a:r>
-              <a:rPr lang="en-US" sz="1600" dirty="0" smtClean="0"/>
-              <a:t>, </a:t>
+              <a:t>Volatility </a:t>
             </a:r>
             <a:r>
               <a:rPr lang="en-US" sz="1600" b="1" dirty="0" smtClean="0"/>
-              <a:t>Groceries</a:t>
-            </a:r>
-            <a:r>
-              <a:rPr lang="en-US" sz="1600" dirty="0" smtClean="0"/>
-              <a:t>, and </a:t>
-            </a:r>
+              <a:t>in Monthly Changes</a:t>
+            </a:r>
+            <a:r>
+              <a:rPr lang="en-US" sz="1600" dirty="0" smtClean="0"/>
+              <a:t>:</a:t>
+            </a:r>
+          </a:p>
+          <a:p>
+            <a:r>
+              <a:rPr lang="en-US" sz="1600" dirty="0" smtClean="0"/>
+              <a:t>   There </a:t>
+            </a:r>
+            <a:r>
+              <a:rPr lang="en-US" sz="1600" dirty="0" smtClean="0"/>
+              <a:t>are significant fluctuations in month-over-month percentage changes. For </a:t>
+            </a:r>
+            <a:r>
+              <a:rPr lang="en-US" sz="1600" dirty="0" smtClean="0"/>
+              <a:t> example:</a:t>
+            </a:r>
+          </a:p>
+          <a:p>
+            <a:pPr lvl="1"/>
             <a:r>
               <a:rPr lang="en-US" sz="1600" b="1" dirty="0" smtClean="0"/>
-              <a:t>Clothing</a:t>
-            </a:r>
-            <a:r>
-              <a:rPr lang="en-US" sz="1600" dirty="0" smtClean="0"/>
-              <a:t>, with the highest sales observed for </a:t>
+              <a:t>February 2023</a:t>
+            </a:r>
+            <a:r>
+              <a:rPr lang="en-US" sz="1600" dirty="0" smtClean="0"/>
+              <a:t>: A sharp drop of </a:t>
             </a:r>
             <a:r>
               <a:rPr lang="en-US" sz="1600" b="1" dirty="0" smtClean="0"/>
-              <a:t>Furniture (P0015)</a:t>
-            </a:r>
-            <a:r>
-              <a:rPr lang="en-US" sz="1600" dirty="0" smtClean="0"/>
-              <a:t> at 112,139 units. The consistent presence of multiple </a:t>
-            </a:r>
+              <a:t>-9.03%</a:t>
+            </a:r>
+            <a:r>
+              <a:rPr lang="en-US" sz="1600" dirty="0" smtClean="0"/>
+              <a:t>.</a:t>
+            </a:r>
+          </a:p>
+          <a:p>
+            <a:pPr lvl="1"/>
             <a:r>
               <a:rPr lang="en-US" sz="1600" b="1" dirty="0" smtClean="0"/>
-              <a:t>Groceries</a:t>
-            </a:r>
-            <a:r>
-              <a:rPr lang="en-US" sz="1600" dirty="0" smtClean="0"/>
-              <a:t> products indicates strong demand in this category. Prioritize restocking and promotional strategies for these top-performing products to sustain sales momentum.</a:t>
+              <a:t>July 2023</a:t>
+            </a:r>
+            <a:r>
+              <a:rPr lang="en-US" sz="1600" dirty="0" smtClean="0"/>
+              <a:t>: A strong increase of </a:t>
+            </a:r>
+            <a:r>
+              <a:rPr lang="en-US" sz="1600" b="1" dirty="0" smtClean="0"/>
+              <a:t>7.96%</a:t>
+            </a:r>
+            <a:r>
+              <a:rPr lang="en-US" sz="1600" dirty="0" smtClean="0"/>
+              <a:t>.</a:t>
+            </a:r>
+          </a:p>
+          <a:p>
+            <a:pPr lvl="1"/>
+            <a:r>
+              <a:rPr lang="en-US" sz="1600" b="1" dirty="0" smtClean="0"/>
+              <a:t>January 2024</a:t>
+            </a:r>
+            <a:r>
+              <a:rPr lang="en-US" sz="1600" dirty="0" smtClean="0"/>
+              <a:t>: An extreme decline of </a:t>
+            </a:r>
+            <a:r>
+              <a:rPr lang="en-US" sz="1600" b="1" dirty="0" smtClean="0"/>
+              <a:t>-96.83%</a:t>
+            </a:r>
+            <a:r>
+              <a:rPr lang="en-US" sz="1600" dirty="0" smtClean="0"/>
+              <a:t>, indicating a potential anomaly or external factor (e.g., operational issues or reporting errors).</a:t>
+            </a:r>
+          </a:p>
+          <a:p>
+            <a:pPr lvl="1"/>
+            <a:endParaRPr lang="en-US" dirty="0" smtClean="0"/>
+          </a:p>
+          <a:p>
+            <a:pPr>
+              <a:buFont typeface="Arial" pitchFamily="34" charset="0"/>
+              <a:buChar char="•"/>
+            </a:pPr>
+            <a:r>
+              <a:rPr lang="en-US" sz="1600" dirty="0" smtClean="0"/>
+              <a:t> </a:t>
+            </a:r>
+            <a:r>
+              <a:rPr lang="en-US" sz="1600" dirty="0" smtClean="0"/>
+              <a:t>Despite the month-to-month fluctuations, the overall trend from </a:t>
+            </a:r>
+            <a:r>
+              <a:rPr lang="en-US" sz="1600" b="1" dirty="0" smtClean="0"/>
+              <a:t>2022 to late 2023</a:t>
+            </a:r>
+            <a:r>
+              <a:rPr lang="en-US" sz="1600" dirty="0" smtClean="0"/>
+              <a:t> appears relatively stable, with changes typically ranging between </a:t>
+            </a:r>
+            <a:r>
+              <a:rPr lang="en-US" sz="1600" b="1" dirty="0" smtClean="0"/>
+              <a:t>-5% and +8%</a:t>
+            </a:r>
+            <a:r>
+              <a:rPr lang="en-US" sz="1600" dirty="0" smtClean="0"/>
+              <a:t>, reflecting consistent demand and operations</a:t>
+            </a:r>
+            <a:r>
+              <a:rPr lang="en-US" sz="1600" dirty="0" smtClean="0"/>
+              <a:t>.</a:t>
+            </a:r>
+          </a:p>
+          <a:p>
+            <a:pPr>
+              <a:buFont typeface="Arial" pitchFamily="34" charset="0"/>
+              <a:buChar char="•"/>
+            </a:pPr>
+            <a:r>
+              <a:rPr lang="en-US" sz="1600" dirty="0" smtClean="0"/>
+              <a:t> </a:t>
+            </a:r>
+            <a:r>
+              <a:rPr lang="en-US" sz="1600" dirty="0" smtClean="0"/>
+              <a:t>The drastic drop in </a:t>
+            </a:r>
+            <a:r>
+              <a:rPr lang="en-US" sz="1600" b="1" dirty="0" smtClean="0"/>
+              <a:t>January 2024</a:t>
+            </a:r>
+            <a:r>
+              <a:rPr lang="en-US" sz="1600" dirty="0" smtClean="0"/>
+              <a:t> is highly unusual. It could indicate an operational disruption, a significant demand drop, or a data issue.</a:t>
             </a:r>
             <a:endParaRPr lang="en-US" sz="1600" dirty="0"/>
           </a:p>
